--- a/docs/Präsentation.pptx
+++ b/docs/Präsentation.pptx
@@ -2,17 +2,25 @@
 <file path=ppt/presentation.xml><?xml version="1.0" encoding="utf-8"?>
 <p:presentation xmlns:a="http://schemas.openxmlformats.org/drawingml/2006/main" xmlns:r="http://schemas.openxmlformats.org/officeDocument/2006/relationships" xmlns:p="http://schemas.openxmlformats.org/presentationml/2006/main" showSpecialPlsOnTitleSld="0" saveSubsetFonts="1" autoCompressPictures="0">
   <p:sldMasterIdLst>
-    <p:sldMasterId id="2147483648" r:id="rId1"/>
+    <p:sldMasterId id="2147483648" r:id="rId4"/>
   </p:sldMasterIdLst>
   <p:notesMasterIdLst>
-    <p:notesMasterId r:id="rId4"/>
+    <p:notesMasterId r:id="rId15"/>
   </p:notesMasterIdLst>
   <p:handoutMasterIdLst>
-    <p:handoutMasterId r:id="rId5"/>
+    <p:handoutMasterId r:id="rId16"/>
   </p:handoutMasterIdLst>
   <p:sldIdLst>
-    <p:sldId id="256" r:id="rId2"/>
-    <p:sldId id="257" r:id="rId3"/>
+    <p:sldId id="256" r:id="rId5"/>
+    <p:sldId id="257" r:id="rId6"/>
+    <p:sldId id="266" r:id="rId7"/>
+    <p:sldId id="265" r:id="rId8"/>
+    <p:sldId id="259" r:id="rId9"/>
+    <p:sldId id="262" r:id="rId10"/>
+    <p:sldId id="261" r:id="rId11"/>
+    <p:sldId id="260" r:id="rId12"/>
+    <p:sldId id="258" r:id="rId13"/>
+    <p:sldId id="263" r:id="rId14"/>
   </p:sldIdLst>
   <p:sldSz cx="12192000" cy="6858000"/>
   <p:notesSz cx="6858000" cy="9144000"/>
@@ -112,6 +120,40 @@
     </a:lvl9pPr>
   </p:defaultTextStyle>
   <p:extLst>
+    <p:ext uri="{521415D9-36F7-43E2-AB2F-B90AF26B5E84}">
+      <p14:sectionLst xmlns:p14="http://schemas.microsoft.com/office/powerpoint/2010/main">
+        <p14:section name="Standardabschnitt" id="{24F87ADC-9234-457A-B70F-86AA1D96F418}">
+          <p14:sldIdLst>
+            <p14:sldId id="256"/>
+            <p14:sldId id="257"/>
+          </p14:sldIdLst>
+        </p14:section>
+        <p14:section name="Andre" id="{39DBD550-A892-4537-A745-C443EB44A20B}">
+          <p14:sldIdLst>
+            <p14:sldId id="266"/>
+            <p14:sldId id="265"/>
+          </p14:sldIdLst>
+        </p14:section>
+        <p14:section name="Daniel" id="{AB12AD3B-8323-405C-979F-486EA52C8144}">
+          <p14:sldIdLst>
+            <p14:sldId id="259"/>
+            <p14:sldId id="262"/>
+          </p14:sldIdLst>
+        </p14:section>
+        <p14:section name="Filip" id="{174DFBE5-AF19-439C-AD26-94E31E2BDABA}">
+          <p14:sldIdLst>
+            <p14:sldId id="261"/>
+            <p14:sldId id="260"/>
+            <p14:sldId id="258"/>
+          </p14:sldIdLst>
+        </p14:section>
+        <p14:section name="Ende" id="{8EE3C5DB-EC00-48AA-821A-D3D89D43E4D7}">
+          <p14:sldIdLst>
+            <p14:sldId id="263"/>
+          </p14:sldIdLst>
+        </p14:section>
+      </p14:sectionLst>
+    </p:ext>
     <p:ext uri="{EFAFB233-063F-42B5-8137-9DF3F51BA10A}">
       <p15:sldGuideLst xmlns:p15="http://schemas.microsoft.com/office/powerpoint/2012/main">
         <p15:guide id="1" orient="horz" pos="2160" userDrawn="1">
@@ -128,6 +170,16 @@
     </p:ext>
   </p:extLst>
 </p:presentation>
+</file>
+
+<file path=ppt/revisionInfo.xml><?xml version="1.0" encoding="utf-8"?>
+<p1510:revInfo xmlns:a="http://schemas.openxmlformats.org/drawingml/2006/main" xmlns:r="http://schemas.openxmlformats.org/officeDocument/2006/relationships" xmlns:p1510="http://schemas.microsoft.com/office/powerpoint/2015/10/main">
+  <p1510:revLst>
+    <p1510:client id="{10F6201D-2BFB-6B3B-F0DE-B531C049A618}" v="24" dt="2020-06-23T09:21:10.245"/>
+    <p1510:client id="{7D28902A-4540-48A8-AB95-A9B1845666BA}" v="251" dt="2020-06-23T09:22:35.961"/>
+    <p1510:client id="{C6E01EC4-4A8C-47F7-B357-FCAA969CED60}" v="108" dt="2020-06-23T06:48:43.923"/>
+  </p1510:revLst>
+</p1510:revInfo>
 </file>
 
 <file path=ppt/handoutMasters/handoutMaster1.xml><?xml version="1.0" encoding="utf-8"?>
@@ -212,7 +264,7 @@
           <a:p>
             <a:fld id="{276817F0-84FC-C145-AFC3-FA42D1D21F8E}" type="datetimeFigureOut">
               <a:rPr lang="de-DE" smtClean="0"/>
-              <a:t>17.06.2020</a:t>
+              <a:t>23.06.2020</a:t>
             </a:fld>
             <a:endParaRPr lang="de-DE"/>
           </a:p>
@@ -378,7 +430,7 @@
           <a:p>
             <a:fld id="{F80FA3C8-DE25-7348-A1F7-D749F91943C8}" type="datetimeFigureOut">
               <a:rPr lang="de-DE" smtClean="0"/>
-              <a:t>17.06.2020</a:t>
+              <a:t>23.06.2020</a:t>
             </a:fld>
             <a:endParaRPr lang="de-DE"/>
           </a:p>
@@ -646,6 +698,422 @@
 </p:notesMaster>
 </file>
 
+<file path=ppt/notesSlides/notesSlide1.xml><?xml version="1.0" encoding="utf-8"?>
+<p:notes xmlns:a="http://schemas.openxmlformats.org/drawingml/2006/main" xmlns:r="http://schemas.openxmlformats.org/officeDocument/2006/relationships" xmlns:p="http://schemas.openxmlformats.org/presentationml/2006/main">
+  <p:cSld>
+    <p:spTree>
+      <p:nvGrpSpPr>
+        <p:cNvPr id="1" name=""/>
+        <p:cNvGrpSpPr/>
+        <p:nvPr/>
+      </p:nvGrpSpPr>
+      <p:grpSpPr>
+        <a:xfrm>
+          <a:off x="0" y="0"/>
+          <a:ext cx="0" cy="0"/>
+          <a:chOff x="0" y="0"/>
+          <a:chExt cx="0" cy="0"/>
+        </a:xfrm>
+      </p:grpSpPr>
+      <p:sp>
+        <p:nvSpPr>
+          <p:cNvPr id="2" name="Slide Image Placeholder 1"/>
+          <p:cNvSpPr>
+            <a:spLocks noGrp="1" noRot="1" noChangeAspect="1"/>
+          </p:cNvSpPr>
+          <p:nvPr>
+            <p:ph type="sldImg"/>
+          </p:nvPr>
+        </p:nvSpPr>
+        <p:spPr/>
+      </p:sp>
+      <p:sp>
+        <p:nvSpPr>
+          <p:cNvPr id="3" name="Notes Placeholder 2"/>
+          <p:cNvSpPr>
+            <a:spLocks noGrp="1"/>
+          </p:cNvSpPr>
+          <p:nvPr>
+            <p:ph type="body" idx="1"/>
+          </p:nvPr>
+        </p:nvSpPr>
+        <p:spPr/>
+        <p:txBody>
+          <a:bodyPr/>
+          <a:lstStyle/>
+          <a:p>
+            <a:pPr marL="171450" indent="-171450">
+              <a:buFontTx/>
+              <a:buChar char="-"/>
+            </a:pPr>
+            <a:r>
+              <a:rPr lang="de-DE" err="1"/>
+              <a:t>GridBagLayout</a:t>
+            </a:r>
+            <a:endParaRPr lang="de-DE"/>
+          </a:p>
+          <a:p>
+            <a:pPr marL="171450" indent="-171450">
+              <a:buFontTx/>
+              <a:buChar char="-"/>
+            </a:pPr>
+            <a:r>
+              <a:rPr lang="de-DE"/>
+              <a:t>Anchor</a:t>
+            </a:r>
+          </a:p>
+          <a:p>
+            <a:pPr marL="171450" indent="-171450">
+              <a:buFontTx/>
+              <a:buChar char="-"/>
+            </a:pPr>
+            <a:r>
+              <a:rPr lang="de-DE" err="1"/>
+              <a:t>Weight</a:t>
+            </a:r>
+            <a:r>
+              <a:rPr lang="de-DE"/>
+              <a:t> 1.0</a:t>
+            </a:r>
+          </a:p>
+          <a:p>
+            <a:pPr marL="171450" indent="-171450">
+              <a:buFontTx/>
+              <a:buChar char="-"/>
+            </a:pPr>
+            <a:r>
+              <a:rPr lang="de-DE" err="1"/>
+              <a:t>Join</a:t>
+            </a:r>
+            <a:r>
+              <a:rPr lang="de-DE"/>
+              <a:t> </a:t>
+            </a:r>
+            <a:r>
+              <a:rPr lang="de-DE" err="1"/>
+              <a:t>button</a:t>
+            </a:r>
+            <a:r>
+              <a:rPr lang="de-DE"/>
+              <a:t> nur klickbar, wenn eine gültige IP eingegeben/ausgewählt wurde</a:t>
+            </a:r>
+          </a:p>
+        </p:txBody>
+      </p:sp>
+      <p:sp>
+        <p:nvSpPr>
+          <p:cNvPr id="4" name="Slide Number Placeholder 3"/>
+          <p:cNvSpPr>
+            <a:spLocks noGrp="1"/>
+          </p:cNvSpPr>
+          <p:nvPr>
+            <p:ph type="sldNum" sz="quarter" idx="5"/>
+          </p:nvPr>
+        </p:nvSpPr>
+        <p:spPr/>
+        <p:txBody>
+          <a:bodyPr/>
+          <a:lstStyle/>
+          <a:p>
+            <a:fld id="{5C0E6540-DBC8-1449-A578-CCAD6D2991BC}" type="slidenum">
+              <a:rPr lang="de-DE" smtClean="0"/>
+              <a:t>5</a:t>
+            </a:fld>
+            <a:endParaRPr lang="de-DE"/>
+          </a:p>
+        </p:txBody>
+      </p:sp>
+    </p:spTree>
+    <p:extLst>
+      <p:ext uri="{BB962C8B-B14F-4D97-AF65-F5344CB8AC3E}">
+        <p14:creationId xmlns:p14="http://schemas.microsoft.com/office/powerpoint/2010/main" val="2016408069"/>
+      </p:ext>
+    </p:extLst>
+  </p:cSld>
+  <p:clrMapOvr>
+    <a:masterClrMapping/>
+  </p:clrMapOvr>
+</p:notes>
+</file>
+
+<file path=ppt/notesSlides/notesSlide2.xml><?xml version="1.0" encoding="utf-8"?>
+<p:notes xmlns:a="http://schemas.openxmlformats.org/drawingml/2006/main" xmlns:r="http://schemas.openxmlformats.org/officeDocument/2006/relationships" xmlns:p="http://schemas.openxmlformats.org/presentationml/2006/main">
+  <p:cSld>
+    <p:spTree>
+      <p:nvGrpSpPr>
+        <p:cNvPr id="1" name=""/>
+        <p:cNvGrpSpPr/>
+        <p:nvPr/>
+      </p:nvGrpSpPr>
+      <p:grpSpPr>
+        <a:xfrm>
+          <a:off x="0" y="0"/>
+          <a:ext cx="0" cy="0"/>
+          <a:chOff x="0" y="0"/>
+          <a:chExt cx="0" cy="0"/>
+        </a:xfrm>
+      </p:grpSpPr>
+      <p:sp>
+        <p:nvSpPr>
+          <p:cNvPr id="2" name="Slide Image Placeholder 1"/>
+          <p:cNvSpPr>
+            <a:spLocks noGrp="1" noRot="1" noChangeAspect="1"/>
+          </p:cNvSpPr>
+          <p:nvPr>
+            <p:ph type="sldImg"/>
+          </p:nvPr>
+        </p:nvSpPr>
+        <p:spPr/>
+      </p:sp>
+      <p:sp>
+        <p:nvSpPr>
+          <p:cNvPr id="3" name="Notes Placeholder 2"/>
+          <p:cNvSpPr>
+            <a:spLocks noGrp="1"/>
+          </p:cNvSpPr>
+          <p:nvPr>
+            <p:ph type="body" idx="1"/>
+          </p:nvPr>
+        </p:nvSpPr>
+        <p:spPr/>
+        <p:txBody>
+          <a:bodyPr/>
+          <a:lstStyle/>
+          <a:p>
+            <a:endParaRPr lang="de-DE"/>
+          </a:p>
+        </p:txBody>
+      </p:sp>
+      <p:sp>
+        <p:nvSpPr>
+          <p:cNvPr id="4" name="Slide Number Placeholder 3"/>
+          <p:cNvSpPr>
+            <a:spLocks noGrp="1"/>
+          </p:cNvSpPr>
+          <p:nvPr>
+            <p:ph type="sldNum" sz="quarter" idx="5"/>
+          </p:nvPr>
+        </p:nvSpPr>
+        <p:spPr/>
+        <p:txBody>
+          <a:bodyPr/>
+          <a:lstStyle/>
+          <a:p>
+            <a:fld id="{5C0E6540-DBC8-1449-A578-CCAD6D2991BC}" type="slidenum">
+              <a:rPr lang="de-DE" smtClean="0"/>
+              <a:t>6</a:t>
+            </a:fld>
+            <a:endParaRPr lang="de-DE"/>
+          </a:p>
+        </p:txBody>
+      </p:sp>
+    </p:spTree>
+    <p:extLst>
+      <p:ext uri="{BB962C8B-B14F-4D97-AF65-F5344CB8AC3E}">
+        <p14:creationId xmlns:p14="http://schemas.microsoft.com/office/powerpoint/2010/main" val="3388251428"/>
+      </p:ext>
+    </p:extLst>
+  </p:cSld>
+  <p:clrMapOvr>
+    <a:masterClrMapping/>
+  </p:clrMapOvr>
+</p:notes>
+</file>
+
+<file path=ppt/notesSlides/notesSlide3.xml><?xml version="1.0" encoding="utf-8"?>
+<p:notes xmlns:a="http://schemas.openxmlformats.org/drawingml/2006/main" xmlns:r="http://schemas.openxmlformats.org/officeDocument/2006/relationships" xmlns:p="http://schemas.openxmlformats.org/presentationml/2006/main">
+  <p:cSld>
+    <p:spTree>
+      <p:nvGrpSpPr>
+        <p:cNvPr id="1" name=""/>
+        <p:cNvGrpSpPr/>
+        <p:nvPr/>
+      </p:nvGrpSpPr>
+      <p:grpSpPr>
+        <a:xfrm>
+          <a:off x="0" y="0"/>
+          <a:ext cx="0" cy="0"/>
+          <a:chOff x="0" y="0"/>
+          <a:chExt cx="0" cy="0"/>
+        </a:xfrm>
+      </p:grpSpPr>
+      <p:sp>
+        <p:nvSpPr>
+          <p:cNvPr id="2" name="Folienbildplatzhalter 1"/>
+          <p:cNvSpPr>
+            <a:spLocks noGrp="1" noRot="1" noChangeAspect="1"/>
+          </p:cNvSpPr>
+          <p:nvPr>
+            <p:ph type="sldImg"/>
+          </p:nvPr>
+        </p:nvSpPr>
+        <p:spPr/>
+      </p:sp>
+      <p:sp>
+        <p:nvSpPr>
+          <p:cNvPr id="3" name="Notizenplatzhalter 2"/>
+          <p:cNvSpPr>
+            <a:spLocks noGrp="1"/>
+          </p:cNvSpPr>
+          <p:nvPr>
+            <p:ph type="body" idx="1"/>
+          </p:nvPr>
+        </p:nvSpPr>
+        <p:spPr/>
+        <p:txBody>
+          <a:bodyPr/>
+          <a:lstStyle/>
+          <a:p>
+            <a:r>
+              <a:rPr lang="de-DE" err="1"/>
+              <a:t>Cell</a:t>
+            </a:r>
+            <a:r>
+              <a:rPr lang="de-DE"/>
+              <a:t> erbt von </a:t>
+            </a:r>
+            <a:r>
+              <a:rPr lang="de-DE" err="1"/>
+              <a:t>Jbutton</a:t>
+            </a:r>
+            <a:r>
+              <a:rPr lang="de-DE"/>
+              <a:t>, </a:t>
+            </a:r>
+            <a:r>
+              <a:rPr lang="de-DE" err="1"/>
+              <a:t>override</a:t>
+            </a:r>
+            <a:r>
+              <a:rPr lang="de-DE"/>
+              <a:t> paintComponent</a:t>
+            </a:r>
+          </a:p>
+        </p:txBody>
+      </p:sp>
+      <p:sp>
+        <p:nvSpPr>
+          <p:cNvPr id="4" name="Foliennummernplatzhalter 3"/>
+          <p:cNvSpPr>
+            <a:spLocks noGrp="1"/>
+          </p:cNvSpPr>
+          <p:nvPr>
+            <p:ph type="sldNum" sz="quarter" idx="5"/>
+          </p:nvPr>
+        </p:nvSpPr>
+        <p:spPr/>
+        <p:txBody>
+          <a:bodyPr/>
+          <a:lstStyle/>
+          <a:p>
+            <a:fld id="{5C0E6540-DBC8-1449-A578-CCAD6D2991BC}" type="slidenum">
+              <a:rPr lang="de-DE" smtClean="0"/>
+              <a:t>7</a:t>
+            </a:fld>
+            <a:endParaRPr lang="de-DE"/>
+          </a:p>
+        </p:txBody>
+      </p:sp>
+    </p:spTree>
+    <p:extLst>
+      <p:ext uri="{BB962C8B-B14F-4D97-AF65-F5344CB8AC3E}">
+        <p14:creationId xmlns:p14="http://schemas.microsoft.com/office/powerpoint/2010/main" val="1599688490"/>
+      </p:ext>
+    </p:extLst>
+  </p:cSld>
+  <p:clrMapOvr>
+    <a:masterClrMapping/>
+  </p:clrMapOvr>
+</p:notes>
+</file>
+
+<file path=ppt/notesSlides/notesSlide4.xml><?xml version="1.0" encoding="utf-8"?>
+<p:notes xmlns:a="http://schemas.openxmlformats.org/drawingml/2006/main" xmlns:r="http://schemas.openxmlformats.org/officeDocument/2006/relationships" xmlns:p="http://schemas.openxmlformats.org/presentationml/2006/main">
+  <p:cSld>
+    <p:spTree>
+      <p:nvGrpSpPr>
+        <p:cNvPr id="1" name=""/>
+        <p:cNvGrpSpPr/>
+        <p:nvPr/>
+      </p:nvGrpSpPr>
+      <p:grpSpPr>
+        <a:xfrm>
+          <a:off x="0" y="0"/>
+          <a:ext cx="0" cy="0"/>
+          <a:chOff x="0" y="0"/>
+          <a:chExt cx="0" cy="0"/>
+        </a:xfrm>
+      </p:grpSpPr>
+      <p:sp>
+        <p:nvSpPr>
+          <p:cNvPr id="2" name="Folienbildplatzhalter 1"/>
+          <p:cNvSpPr>
+            <a:spLocks noGrp="1" noRot="1" noChangeAspect="1"/>
+          </p:cNvSpPr>
+          <p:nvPr>
+            <p:ph type="sldImg"/>
+          </p:nvPr>
+        </p:nvSpPr>
+        <p:spPr/>
+      </p:sp>
+      <p:sp>
+        <p:nvSpPr>
+          <p:cNvPr id="3" name="Notizenplatzhalter 2"/>
+          <p:cNvSpPr>
+            <a:spLocks noGrp="1"/>
+          </p:cNvSpPr>
+          <p:nvPr>
+            <p:ph type="body" idx="1"/>
+          </p:nvPr>
+        </p:nvSpPr>
+        <p:spPr/>
+        <p:txBody>
+          <a:bodyPr/>
+          <a:lstStyle/>
+          <a:p>
+            <a:r>
+              <a:rPr lang="de-DE"/>
+              <a:t>Spielablauf im UI erklären wenn &lt;3Min</a:t>
+            </a:r>
+          </a:p>
+        </p:txBody>
+      </p:sp>
+      <p:sp>
+        <p:nvSpPr>
+          <p:cNvPr id="4" name="Foliennummernplatzhalter 3"/>
+          <p:cNvSpPr>
+            <a:spLocks noGrp="1"/>
+          </p:cNvSpPr>
+          <p:nvPr>
+            <p:ph type="sldNum" sz="quarter" idx="5"/>
+          </p:nvPr>
+        </p:nvSpPr>
+        <p:spPr/>
+        <p:txBody>
+          <a:bodyPr/>
+          <a:lstStyle/>
+          <a:p>
+            <a:fld id="{5C0E6540-DBC8-1449-A578-CCAD6D2991BC}" type="slidenum">
+              <a:rPr lang="de-DE" smtClean="0"/>
+              <a:t>9</a:t>
+            </a:fld>
+            <a:endParaRPr lang="de-DE"/>
+          </a:p>
+        </p:txBody>
+      </p:sp>
+    </p:spTree>
+    <p:extLst>
+      <p:ext uri="{BB962C8B-B14F-4D97-AF65-F5344CB8AC3E}">
+        <p14:creationId xmlns:p14="http://schemas.microsoft.com/office/powerpoint/2010/main" val="2338646930"/>
+      </p:ext>
+    </p:extLst>
+  </p:cSld>
+  <p:clrMapOvr>
+    <a:masterClrMapping/>
+  </p:clrMapOvr>
+</p:notes>
+</file>
+
 <file path=ppt/slideLayouts/slideLayout1.xml><?xml version="1.0" encoding="utf-8"?>
 <p:sldLayout xmlns:a="http://schemas.openxmlformats.org/drawingml/2006/main" xmlns:r="http://schemas.openxmlformats.org/officeDocument/2006/relationships" xmlns:p="http://schemas.openxmlformats.org/presentationml/2006/main" type="title" preserve="1">
   <p:cSld name="Titelfolie">
@@ -696,7 +1164,7 @@
               <a:rPr lang="en-US"/>
               <a:t>Click to edit Master title style</a:t>
             </a:r>
-            <a:endParaRPr lang="de-DE" dirty="0"/>
+            <a:endParaRPr lang="de-DE"/>
           </a:p>
         </p:txBody>
       </p:sp>
@@ -815,7 +1283,7 @@
               <a:rPr lang="en-US"/>
               <a:t>Click to edit Master subtitle style</a:t>
             </a:r>
-            <a:endParaRPr lang="de-DE" dirty="0"/>
+            <a:endParaRPr lang="de-DE"/>
           </a:p>
         </p:txBody>
       </p:sp>
@@ -854,9 +1322,9 @@
           <a:p>
             <a:fld id="{E98B6C37-2B41-447B-8764-EF2F69375CF8}" type="datetime1">
               <a:rPr lang="de-DE" smtClean="0"/>
-              <a:t>17.06.2020</a:t>
+              <a:t>23.06.2020</a:t>
             </a:fld>
-            <a:endParaRPr lang="de-DE" dirty="0"/>
+            <a:endParaRPr lang="de-DE"/>
           </a:p>
         </p:txBody>
       </p:sp>
@@ -898,7 +1366,7 @@
               <a:pPr/>
               <a:t>‹#›</a:t>
             </a:fld>
-            <a:endParaRPr lang="de-DE" dirty="0"/>
+            <a:endParaRPr lang="de-DE"/>
           </a:p>
         </p:txBody>
       </p:sp>
@@ -1076,9 +1544,9 @@
           <a:p>
             <a:fld id="{0EFF8CB1-A472-480D-BCA1-90B3EE077451}" type="datetime1">
               <a:rPr lang="de-DE" smtClean="0"/>
-              <a:t>17.06.2020</a:t>
+              <a:t>23.06.2020</a:t>
             </a:fld>
-            <a:endParaRPr lang="de-DE" dirty="0"/>
+            <a:endParaRPr lang="de-DE"/>
           </a:p>
         </p:txBody>
       </p:sp>
@@ -1120,7 +1588,7 @@
               <a:pPr/>
               <a:t>‹#›</a:t>
             </a:fld>
-            <a:endParaRPr lang="de-DE" dirty="0"/>
+            <a:endParaRPr lang="de-DE"/>
           </a:p>
         </p:txBody>
       </p:sp>
@@ -1356,7 +1824,7 @@
           <a:p>
             <a:fld id="{E27D8698-3B69-4369-916A-E97E263B09F8}" type="datetime1">
               <a:rPr lang="de-DE" smtClean="0"/>
-              <a:t>17.06.2020</a:t>
+              <a:t>23.06.2020</a:t>
             </a:fld>
             <a:endParaRPr lang="de-DE"/>
           </a:p>
@@ -1659,7 +2127,7 @@
           <a:p>
             <a:fld id="{32189397-C7CE-464C-BC4B-705C0F4D343C}" type="datetime1">
               <a:rPr lang="de-DE" smtClean="0"/>
-              <a:t>17.06.2020</a:t>
+              <a:t>23.06.2020</a:t>
             </a:fld>
             <a:endParaRPr lang="de-DE"/>
           </a:p>
@@ -1792,7 +2260,7 @@
           <a:p>
             <a:fld id="{B04E79E0-D755-4A20-B007-D384763E26EA}" type="datetime1">
               <a:rPr lang="de-DE" smtClean="0"/>
-              <a:t>17.06.2020</a:t>
+              <a:t>23.06.2020</a:t>
             </a:fld>
             <a:endParaRPr lang="de-DE"/>
           </a:p>
@@ -1902,7 +2370,7 @@
           <a:p>
             <a:fld id="{DC51DC17-05ED-436E-B781-DC25AA7DE434}" type="datetime1">
               <a:rPr lang="de-DE" smtClean="0"/>
-              <a:t>17.06.2020</a:t>
+              <a:t>23.06.2020</a:t>
             </a:fld>
             <a:endParaRPr lang="de-DE"/>
           </a:p>
@@ -2108,7 +2576,7 @@
               <a:rPr lang="en-US"/>
               <a:t>Fifth level</a:t>
             </a:r>
-            <a:endParaRPr lang="de-DE" dirty="0"/>
+            <a:endParaRPr lang="de-DE"/>
           </a:p>
         </p:txBody>
       </p:sp>
@@ -2194,7 +2662,7 @@
           <a:p>
             <a:fld id="{66C1636A-6039-48C2-952F-36FEC0099677}" type="datetime1">
               <a:rPr lang="de-DE" smtClean="0"/>
-              <a:t>17.06.2020</a:t>
+              <a:t>23.06.2020</a:t>
             </a:fld>
             <a:endParaRPr lang="de-DE"/>
           </a:p>
@@ -2363,7 +2831,7 @@
           <a:lstStyle/>
           <a:p>
             <a:r>
-              <a:rPr lang="de-DE" dirty="0"/>
+              <a:rPr lang="de-DE"/>
               <a:t>Mastertitelformat bearbeiten</a:t>
             </a:r>
           </a:p>
@@ -2396,35 +2864,35 @@
           <a:p>
             <a:pPr lvl="0"/>
             <a:r>
-              <a:rPr lang="de-DE" dirty="0"/>
+              <a:rPr lang="de-DE"/>
               <a:t>Mastertextformat bearbeiten</a:t>
             </a:r>
           </a:p>
           <a:p>
             <a:pPr lvl="1"/>
             <a:r>
-              <a:rPr lang="de-DE" dirty="0"/>
+              <a:rPr lang="de-DE"/>
               <a:t>Zweite Ebene</a:t>
             </a:r>
           </a:p>
           <a:p>
             <a:pPr lvl="2"/>
             <a:r>
-              <a:rPr lang="de-DE" dirty="0"/>
+              <a:rPr lang="de-DE"/>
               <a:t>Dritte Ebene</a:t>
             </a:r>
           </a:p>
           <a:p>
             <a:pPr lvl="3"/>
             <a:r>
-              <a:rPr lang="de-DE" dirty="0"/>
+              <a:rPr lang="de-DE"/>
               <a:t>Vierte Ebene</a:t>
             </a:r>
           </a:p>
           <a:p>
             <a:pPr lvl="4"/>
             <a:r>
-              <a:rPr lang="de-DE" dirty="0"/>
+              <a:rPr lang="de-DE"/>
               <a:t>Fünfte Ebene</a:t>
             </a:r>
           </a:p>
@@ -2462,9 +2930,9 @@
           <a:p>
             <a:fld id="{92E91965-D069-4BD7-BD9B-AD3146D99A70}" type="datetime1">
               <a:rPr lang="de-DE" smtClean="0"/>
-              <a:t>17.06.2020</a:t>
+              <a:t>23.06.2020</a:t>
             </a:fld>
-            <a:endParaRPr lang="de-DE" dirty="0"/>
+            <a:endParaRPr lang="de-DE"/>
           </a:p>
         </p:txBody>
       </p:sp>
@@ -2506,7 +2974,7 @@
               <a:pPr/>
               <a:t>‹#›</a:t>
             </a:fld>
-            <a:endParaRPr lang="de-DE" dirty="0"/>
+            <a:endParaRPr lang="de-DE"/>
           </a:p>
         </p:txBody>
       </p:sp>
@@ -2878,10 +3346,9 @@
           <a:lstStyle/>
           <a:p>
             <a:r>
-              <a:rPr lang="de-DE" dirty="0" err="1"/>
-              <a:t>Schiffeversenken</a:t>
-            </a:r>
-            <a:endParaRPr lang="de-DE" dirty="0"/>
+              <a:rPr lang="de-DE"/>
+              <a:t>Schiffe versenken</a:t>
+            </a:r>
           </a:p>
         </p:txBody>
       </p:sp>
@@ -2901,7 +3368,7 @@
           <a:lstStyle/>
           <a:p>
             <a:r>
-              <a:rPr lang="de-DE" dirty="0"/>
+              <a:rPr lang="de-DE"/>
               <a:t>Projektpräsentation</a:t>
             </a:r>
           </a:p>
@@ -2911,6 +3378,176 @@
     <p:extLst>
       <p:ext uri="{BB962C8B-B14F-4D97-AF65-F5344CB8AC3E}">
         <p14:creationId xmlns:p14="http://schemas.microsoft.com/office/powerpoint/2010/main" val="694128089"/>
+      </p:ext>
+    </p:extLst>
+  </p:cSld>
+  <p:clrMapOvr>
+    <a:masterClrMapping/>
+  </p:clrMapOvr>
+</p:sld>
+</file>
+
+<file path=ppt/slides/slide10.xml><?xml version="1.0" encoding="utf-8"?>
+<p:sld xmlns:a="http://schemas.openxmlformats.org/drawingml/2006/main" xmlns:r="http://schemas.openxmlformats.org/officeDocument/2006/relationships" xmlns:p="http://schemas.openxmlformats.org/presentationml/2006/main">
+  <p:cSld>
+    <p:spTree>
+      <p:nvGrpSpPr>
+        <p:cNvPr id="1" name=""/>
+        <p:cNvGrpSpPr/>
+        <p:nvPr/>
+      </p:nvGrpSpPr>
+      <p:grpSpPr>
+        <a:xfrm>
+          <a:off x="0" y="0"/>
+          <a:ext cx="0" cy="0"/>
+          <a:chOff x="0" y="0"/>
+          <a:chExt cx="0" cy="0"/>
+        </a:xfrm>
+      </p:grpSpPr>
+      <p:sp>
+        <p:nvSpPr>
+          <p:cNvPr id="7" name="Titel 6">
+            <a:extLst>
+              <a:ext uri="{FF2B5EF4-FFF2-40B4-BE49-F238E27FC236}">
+                <a16:creationId xmlns:a16="http://schemas.microsoft.com/office/drawing/2014/main" id="{825B9A33-31EC-430C-B806-95608708BF90}"/>
+              </a:ext>
+            </a:extLst>
+          </p:cNvPr>
+          <p:cNvSpPr>
+            <a:spLocks noGrp="1"/>
+          </p:cNvSpPr>
+          <p:nvPr>
+            <p:ph type="title"/>
+          </p:nvPr>
+        </p:nvSpPr>
+        <p:spPr/>
+        <p:txBody>
+          <a:bodyPr/>
+          <a:lstStyle/>
+          <a:p>
+            <a:r>
+              <a:rPr lang="de-DE"/>
+              <a:t>Gibt es noch fragen?</a:t>
+            </a:r>
+          </a:p>
+        </p:txBody>
+      </p:sp>
+      <p:sp>
+        <p:nvSpPr>
+          <p:cNvPr id="8" name="Textplatzhalter 7">
+            <a:extLst>
+              <a:ext uri="{FF2B5EF4-FFF2-40B4-BE49-F238E27FC236}">
+                <a16:creationId xmlns:a16="http://schemas.microsoft.com/office/drawing/2014/main" id="{F8AABEB1-73DA-44AC-9245-1FB58FF2FB97}"/>
+              </a:ext>
+            </a:extLst>
+          </p:cNvPr>
+          <p:cNvSpPr>
+            <a:spLocks noGrp="1"/>
+          </p:cNvSpPr>
+          <p:nvPr>
+            <p:ph type="body" idx="1"/>
+          </p:nvPr>
+        </p:nvSpPr>
+        <p:spPr/>
+        <p:txBody>
+          <a:bodyPr/>
+          <a:lstStyle/>
+          <a:p>
+            <a:r>
+              <a:rPr lang="de-DE"/>
+              <a:t>Vielen Dank für Ihre Aufmerksamkeit</a:t>
+            </a:r>
+          </a:p>
+        </p:txBody>
+      </p:sp>
+      <p:sp>
+        <p:nvSpPr>
+          <p:cNvPr id="4" name="Datumsplatzhalter 3">
+            <a:extLst>
+              <a:ext uri="{FF2B5EF4-FFF2-40B4-BE49-F238E27FC236}">
+                <a16:creationId xmlns:a16="http://schemas.microsoft.com/office/drawing/2014/main" id="{50274D53-CBEE-4FED-AEBB-5D810CECEF71}"/>
+              </a:ext>
+            </a:extLst>
+          </p:cNvPr>
+          <p:cNvSpPr>
+            <a:spLocks noGrp="1"/>
+          </p:cNvSpPr>
+          <p:nvPr>
+            <p:ph type="dt" sz="half" idx="10"/>
+          </p:nvPr>
+        </p:nvSpPr>
+        <p:spPr/>
+        <p:txBody>
+          <a:bodyPr/>
+          <a:lstStyle/>
+          <a:p>
+            <a:fld id="{0EFF8CB1-A472-480D-BCA1-90B3EE077451}" type="datetime1">
+              <a:rPr lang="de-DE" smtClean="0"/>
+              <a:t>23.06.2020</a:t>
+            </a:fld>
+            <a:endParaRPr lang="de-DE"/>
+          </a:p>
+        </p:txBody>
+      </p:sp>
+      <p:sp>
+        <p:nvSpPr>
+          <p:cNvPr id="5" name="Foliennummernplatzhalter 4">
+            <a:extLst>
+              <a:ext uri="{FF2B5EF4-FFF2-40B4-BE49-F238E27FC236}">
+                <a16:creationId xmlns:a16="http://schemas.microsoft.com/office/drawing/2014/main" id="{2C7D90D6-F60F-4161-A863-E713E02EEF28}"/>
+              </a:ext>
+            </a:extLst>
+          </p:cNvPr>
+          <p:cNvSpPr>
+            <a:spLocks noGrp="1"/>
+          </p:cNvSpPr>
+          <p:nvPr>
+            <p:ph type="sldNum" sz="quarter" idx="12"/>
+          </p:nvPr>
+        </p:nvSpPr>
+        <p:spPr/>
+        <p:txBody>
+          <a:bodyPr/>
+          <a:lstStyle/>
+          <a:p>
+            <a:fld id="{E7BE1CCD-89A0-CC45-BF3E-2A331A7F0490}" type="slidenum">
+              <a:rPr lang="de-DE" smtClean="0"/>
+              <a:pPr/>
+              <a:t>10</a:t>
+            </a:fld>
+            <a:endParaRPr lang="de-DE"/>
+          </a:p>
+        </p:txBody>
+      </p:sp>
+      <p:sp>
+        <p:nvSpPr>
+          <p:cNvPr id="6" name="Fußzeilenplatzhalter 5">
+            <a:extLst>
+              <a:ext uri="{FF2B5EF4-FFF2-40B4-BE49-F238E27FC236}">
+                <a16:creationId xmlns:a16="http://schemas.microsoft.com/office/drawing/2014/main" id="{ED64013C-BE61-4933-926B-D7B40875DDA6}"/>
+              </a:ext>
+            </a:extLst>
+          </p:cNvPr>
+          <p:cNvSpPr>
+            <a:spLocks noGrp="1"/>
+          </p:cNvSpPr>
+          <p:nvPr>
+            <p:ph type="ftr" sz="quarter" idx="3"/>
+          </p:nvPr>
+        </p:nvSpPr>
+        <p:spPr/>
+        <p:txBody>
+          <a:bodyPr/>
+          <a:lstStyle/>
+          <a:p>
+            <a:endParaRPr lang="de-DE"/>
+          </a:p>
+        </p:txBody>
+      </p:sp>
+    </p:spTree>
+    <p:extLst>
+      <p:ext uri="{BB962C8B-B14F-4D97-AF65-F5344CB8AC3E}">
+        <p14:creationId xmlns:p14="http://schemas.microsoft.com/office/powerpoint/2010/main" val="1634031722"/>
       </p:ext>
     </p:extLst>
   </p:cSld>
@@ -2952,25 +3589,57 @@
           <a:bodyPr/>
           <a:lstStyle/>
           <a:p>
+            <a:r>
+              <a:rPr lang="de-DE" dirty="0"/>
+              <a:t>Inhalt</a:t>
+            </a:r>
+          </a:p>
+        </p:txBody>
+      </p:sp>
+      <p:sp>
+        <p:nvSpPr>
+          <p:cNvPr id="3" name="Inhaltsplatzhalter 2"/>
+          <p:cNvSpPr>
+            <a:spLocks noGrp="1"/>
+          </p:cNvSpPr>
+          <p:nvPr>
+            <p:ph idx="1"/>
+          </p:nvPr>
+        </p:nvSpPr>
+        <p:spPr/>
+        <p:txBody>
+          <a:bodyPr vert="horz" lIns="91440" tIns="45720" rIns="91440" bIns="45720" rtlCol="0" anchor="t">
+            <a:normAutofit/>
+          </a:bodyPr>
+          <a:lstStyle/>
+          <a:p>
+            <a:r>
+              <a:rPr lang="en-DE" dirty="0" err="1"/>
+              <a:t>Spielablauf</a:t>
+            </a:r>
+            <a:endParaRPr lang="en-DE" dirty="0"/>
+          </a:p>
+          <a:p>
+            <a:r>
+              <a:rPr lang="de-DE" dirty="0" err="1">
+                <a:ea typeface="Source Sans Pro"/>
+              </a:rPr>
+              <a:t>MainMenu</a:t>
+            </a:r>
             <a:endParaRPr lang="de-DE" dirty="0"/>
           </a:p>
-        </p:txBody>
-      </p:sp>
-      <p:sp>
-        <p:nvSpPr>
-          <p:cNvPr id="3" name="Inhaltsplatzhalter 2"/>
-          <p:cNvSpPr>
-            <a:spLocks noGrp="1"/>
-          </p:cNvSpPr>
-          <p:nvPr>
-            <p:ph idx="1"/>
-          </p:nvPr>
-        </p:nvSpPr>
-        <p:spPr/>
-        <p:txBody>
-          <a:bodyPr/>
-          <a:lstStyle/>
-          <a:p>
+          <a:p>
+            <a:r>
+              <a:rPr lang="de-DE" dirty="0" err="1"/>
+              <a:t>LobbyWindow</a:t>
+            </a:r>
+            <a:endParaRPr lang="en-DE" dirty="0"/>
+          </a:p>
+          <a:p>
+            <a:r>
+              <a:rPr lang="en-DE" dirty="0" err="1"/>
+              <a:t>Spielfeld</a:t>
+            </a:r>
             <a:endParaRPr lang="de-DE" dirty="0"/>
           </a:p>
         </p:txBody>
@@ -2992,9 +3661,9 @@
           <a:p>
             <a:fld id="{EA038FC8-964D-4DE3-8EA3-4D6FD235CB42}" type="datetime1">
               <a:rPr lang="de-DE" smtClean="0"/>
-              <a:t>17.06.2020</a:t>
+              <a:t>23.06.2020</a:t>
             </a:fld>
-            <a:endParaRPr lang="de-DE" dirty="0"/>
+            <a:endParaRPr lang="de-DE"/>
           </a:p>
         </p:txBody>
       </p:sp>
@@ -3018,7 +3687,7 @@
               <a:pPr/>
               <a:t>2</a:t>
             </a:fld>
-            <a:endParaRPr lang="de-DE" dirty="0"/>
+            <a:endParaRPr lang="de-DE"/>
           </a:p>
         </p:txBody>
       </p:sp>
@@ -3045,6 +3714,2888 @@
     <p:extLst>
       <p:ext uri="{BB962C8B-B14F-4D97-AF65-F5344CB8AC3E}">
         <p14:creationId xmlns:p14="http://schemas.microsoft.com/office/powerpoint/2010/main" val="3911613210"/>
+      </p:ext>
+    </p:extLst>
+  </p:cSld>
+  <p:clrMapOvr>
+    <a:masterClrMapping/>
+  </p:clrMapOvr>
+</p:sld>
+</file>
+
+<file path=ppt/slides/slide3.xml><?xml version="1.0" encoding="utf-8"?>
+<p:sld xmlns:a="http://schemas.openxmlformats.org/drawingml/2006/main" xmlns:r="http://schemas.openxmlformats.org/officeDocument/2006/relationships" xmlns:p="http://schemas.openxmlformats.org/presentationml/2006/main">
+  <p:cSld>
+    <p:spTree>
+      <p:nvGrpSpPr>
+        <p:cNvPr id="1" name=""/>
+        <p:cNvGrpSpPr/>
+        <p:nvPr/>
+      </p:nvGrpSpPr>
+      <p:grpSpPr>
+        <a:xfrm>
+          <a:off x="0" y="0"/>
+          <a:ext cx="0" cy="0"/>
+          <a:chOff x="0" y="0"/>
+          <a:chExt cx="0" cy="0"/>
+        </a:xfrm>
+      </p:grpSpPr>
+      <p:sp>
+        <p:nvSpPr>
+          <p:cNvPr id="2" name="Titel 1">
+            <a:extLst>
+              <a:ext uri="{FF2B5EF4-FFF2-40B4-BE49-F238E27FC236}">
+                <a16:creationId xmlns:a16="http://schemas.microsoft.com/office/drawing/2014/main" id="{94DCAB6E-D445-402F-A284-B027039B6ECF}"/>
+              </a:ext>
+            </a:extLst>
+          </p:cNvPr>
+          <p:cNvSpPr>
+            <a:spLocks noGrp="1"/>
+          </p:cNvSpPr>
+          <p:nvPr>
+            <p:ph type="title"/>
+          </p:nvPr>
+        </p:nvSpPr>
+        <p:spPr/>
+        <p:txBody>
+          <a:bodyPr/>
+          <a:lstStyle/>
+          <a:p>
+            <a:r>
+              <a:rPr lang="de-DE">
+                <a:ea typeface="Source Sans Pro"/>
+              </a:rPr>
+              <a:t>Spielablauf</a:t>
+            </a:r>
+            <a:endParaRPr lang="de-DE"/>
+          </a:p>
+        </p:txBody>
+      </p:sp>
+      <p:sp>
+        <p:nvSpPr>
+          <p:cNvPr id="4" name="Datumsplatzhalter 3">
+            <a:extLst>
+              <a:ext uri="{FF2B5EF4-FFF2-40B4-BE49-F238E27FC236}">
+                <a16:creationId xmlns:a16="http://schemas.microsoft.com/office/drawing/2014/main" id="{BC866288-15C5-4952-A1C1-BE4CF9FDC5B8}"/>
+              </a:ext>
+            </a:extLst>
+          </p:cNvPr>
+          <p:cNvSpPr>
+            <a:spLocks noGrp="1"/>
+          </p:cNvSpPr>
+          <p:nvPr>
+            <p:ph type="dt" sz="half" idx="2"/>
+          </p:nvPr>
+        </p:nvSpPr>
+        <p:spPr/>
+        <p:txBody>
+          <a:bodyPr/>
+          <a:lstStyle/>
+          <a:p>
+            <a:fld id="{0EFF8CB1-A472-480D-BCA1-90B3EE077451}" type="datetime1">
+              <a:rPr lang="de-DE" smtClean="0"/>
+              <a:t>23.06.2020</a:t>
+            </a:fld>
+            <a:endParaRPr lang="de-DE"/>
+          </a:p>
+        </p:txBody>
+      </p:sp>
+      <p:sp>
+        <p:nvSpPr>
+          <p:cNvPr id="5" name="Foliennummernplatzhalter 4">
+            <a:extLst>
+              <a:ext uri="{FF2B5EF4-FFF2-40B4-BE49-F238E27FC236}">
+                <a16:creationId xmlns:a16="http://schemas.microsoft.com/office/drawing/2014/main" id="{BBF95542-EC59-46F3-B2E7-4DAABB16F7BB}"/>
+              </a:ext>
+            </a:extLst>
+          </p:cNvPr>
+          <p:cNvSpPr>
+            <a:spLocks noGrp="1"/>
+          </p:cNvSpPr>
+          <p:nvPr>
+            <p:ph type="sldNum" sz="quarter" idx="4"/>
+          </p:nvPr>
+        </p:nvSpPr>
+        <p:spPr/>
+        <p:txBody>
+          <a:bodyPr/>
+          <a:lstStyle/>
+          <a:p>
+            <a:fld id="{E7BE1CCD-89A0-CC45-BF3E-2A331A7F0490}" type="slidenum">
+              <a:rPr lang="de-DE" smtClean="0"/>
+              <a:pPr/>
+              <a:t>3</a:t>
+            </a:fld>
+            <a:endParaRPr lang="de-DE"/>
+          </a:p>
+        </p:txBody>
+      </p:sp>
+      <p:sp>
+        <p:nvSpPr>
+          <p:cNvPr id="6" name="Fußzeilenplatzhalter 5">
+            <a:extLst>
+              <a:ext uri="{FF2B5EF4-FFF2-40B4-BE49-F238E27FC236}">
+                <a16:creationId xmlns:a16="http://schemas.microsoft.com/office/drawing/2014/main" id="{C8B20079-554A-4711-BFCE-ACCBB81270B7}"/>
+              </a:ext>
+            </a:extLst>
+          </p:cNvPr>
+          <p:cNvSpPr>
+            <a:spLocks noGrp="1"/>
+          </p:cNvSpPr>
+          <p:nvPr>
+            <p:ph type="ftr" sz="quarter" idx="3"/>
+          </p:nvPr>
+        </p:nvSpPr>
+        <p:spPr/>
+        <p:txBody>
+          <a:bodyPr/>
+          <a:lstStyle/>
+          <a:p>
+            <a:endParaRPr lang="de-DE"/>
+          </a:p>
+        </p:txBody>
+      </p:sp>
+      <p:pic>
+        <p:nvPicPr>
+          <p:cNvPr id="12" name="Grafik 12" descr="Ein Bild, das Text, Karte enthält.&#10;&#10;Mit sehr hoher Zuverlässigkeit generierte Beschreibung">
+            <a:extLst>
+              <a:ext uri="{FF2B5EF4-FFF2-40B4-BE49-F238E27FC236}">
+                <a16:creationId xmlns:a16="http://schemas.microsoft.com/office/drawing/2014/main" id="{BA0C69A3-6990-40D0-B2BD-BBB9CFBBF2F0}"/>
+              </a:ext>
+            </a:extLst>
+          </p:cNvPr>
+          <p:cNvPicPr>
+            <a:picLocks noGrp="1" noChangeAspect="1"/>
+          </p:cNvPicPr>
+          <p:nvPr>
+            <p:ph idx="1"/>
+          </p:nvPr>
+        </p:nvPicPr>
+        <p:blipFill>
+          <a:blip r:embed="rId2"/>
+          <a:stretch>
+            <a:fillRect/>
+          </a:stretch>
+        </p:blipFill>
+        <p:spPr>
+          <a:xfrm>
+            <a:off x="4036741" y="744112"/>
+            <a:ext cx="5196467" cy="5481289"/>
+          </a:xfrm>
+        </p:spPr>
+      </p:pic>
+    </p:spTree>
+    <p:extLst>
+      <p:ext uri="{BB962C8B-B14F-4D97-AF65-F5344CB8AC3E}">
+        <p14:creationId xmlns:p14="http://schemas.microsoft.com/office/powerpoint/2010/main" val="3186340936"/>
+      </p:ext>
+    </p:extLst>
+  </p:cSld>
+  <p:clrMapOvr>
+    <a:masterClrMapping/>
+  </p:clrMapOvr>
+</p:sld>
+</file>
+
+<file path=ppt/slides/slide4.xml><?xml version="1.0" encoding="utf-8"?>
+<p:sld xmlns:a="http://schemas.openxmlformats.org/drawingml/2006/main" xmlns:r="http://schemas.openxmlformats.org/officeDocument/2006/relationships" xmlns:p="http://schemas.openxmlformats.org/presentationml/2006/main">
+  <p:cSld>
+    <p:spTree>
+      <p:nvGrpSpPr>
+        <p:cNvPr id="1" name=""/>
+        <p:cNvGrpSpPr/>
+        <p:nvPr/>
+      </p:nvGrpSpPr>
+      <p:grpSpPr>
+        <a:xfrm>
+          <a:off x="0" y="0"/>
+          <a:ext cx="0" cy="0"/>
+          <a:chOff x="0" y="0"/>
+          <a:chExt cx="0" cy="0"/>
+        </a:xfrm>
+      </p:grpSpPr>
+      <p:sp>
+        <p:nvSpPr>
+          <p:cNvPr id="2" name="Titel 1">
+            <a:extLst>
+              <a:ext uri="{FF2B5EF4-FFF2-40B4-BE49-F238E27FC236}">
+                <a16:creationId xmlns:a16="http://schemas.microsoft.com/office/drawing/2014/main" id="{414E00D2-3FFD-450B-B5D6-E71B47758EF3}"/>
+              </a:ext>
+            </a:extLst>
+          </p:cNvPr>
+          <p:cNvSpPr>
+            <a:spLocks noGrp="1"/>
+          </p:cNvSpPr>
+          <p:nvPr>
+            <p:ph type="title"/>
+          </p:nvPr>
+        </p:nvSpPr>
+        <p:spPr/>
+        <p:txBody>
+          <a:bodyPr/>
+          <a:lstStyle/>
+          <a:p>
+            <a:r>
+              <a:rPr lang="de-DE" err="1">
+                <a:ea typeface="Source Sans Pro"/>
+              </a:rPr>
+              <a:t>MainMenu</a:t>
+            </a:r>
+            <a:endParaRPr lang="de-DE" err="1"/>
+          </a:p>
+        </p:txBody>
+      </p:sp>
+      <p:pic>
+        <p:nvPicPr>
+          <p:cNvPr id="7" name="Grafik 7" descr="Ein Bild, das Wasser, Boot, draußen, Ozean enthält.&#10;&#10;Mit sehr hoher Zuverlässigkeit generierte Beschreibung">
+            <a:extLst>
+              <a:ext uri="{FF2B5EF4-FFF2-40B4-BE49-F238E27FC236}">
+                <a16:creationId xmlns:a16="http://schemas.microsoft.com/office/drawing/2014/main" id="{7EEA2863-A312-4008-AFF8-0B7ADECB3798}"/>
+              </a:ext>
+            </a:extLst>
+          </p:cNvPr>
+          <p:cNvPicPr>
+            <a:picLocks noGrp="1" noChangeAspect="1"/>
+          </p:cNvPicPr>
+          <p:nvPr>
+            <p:ph idx="1"/>
+          </p:nvPr>
+        </p:nvPicPr>
+        <p:blipFill>
+          <a:blip r:embed="rId2"/>
+          <a:stretch>
+            <a:fillRect/>
+          </a:stretch>
+        </p:blipFill>
+        <p:spPr>
+          <a:xfrm>
+            <a:off x="2267714" y="1710737"/>
+            <a:ext cx="6956111" cy="4415427"/>
+          </a:xfrm>
+        </p:spPr>
+      </p:pic>
+      <p:sp>
+        <p:nvSpPr>
+          <p:cNvPr id="4" name="Datumsplatzhalter 3">
+            <a:extLst>
+              <a:ext uri="{FF2B5EF4-FFF2-40B4-BE49-F238E27FC236}">
+                <a16:creationId xmlns:a16="http://schemas.microsoft.com/office/drawing/2014/main" id="{C26A6E59-BE31-4400-B68F-87DC201EA0EB}"/>
+              </a:ext>
+            </a:extLst>
+          </p:cNvPr>
+          <p:cNvSpPr>
+            <a:spLocks noGrp="1"/>
+          </p:cNvSpPr>
+          <p:nvPr>
+            <p:ph type="dt" sz="half" idx="2"/>
+          </p:nvPr>
+        </p:nvSpPr>
+        <p:spPr/>
+        <p:txBody>
+          <a:bodyPr/>
+          <a:lstStyle/>
+          <a:p>
+            <a:fld id="{0EFF8CB1-A472-480D-BCA1-90B3EE077451}" type="datetime1">
+              <a:rPr lang="de-DE" smtClean="0"/>
+              <a:t>23.06.2020</a:t>
+            </a:fld>
+            <a:endParaRPr lang="de-DE"/>
+          </a:p>
+        </p:txBody>
+      </p:sp>
+      <p:sp>
+        <p:nvSpPr>
+          <p:cNvPr id="5" name="Foliennummernplatzhalter 4">
+            <a:extLst>
+              <a:ext uri="{FF2B5EF4-FFF2-40B4-BE49-F238E27FC236}">
+                <a16:creationId xmlns:a16="http://schemas.microsoft.com/office/drawing/2014/main" id="{054AB487-F4D2-4C19-96F8-7DE51B8DC454}"/>
+              </a:ext>
+            </a:extLst>
+          </p:cNvPr>
+          <p:cNvSpPr>
+            <a:spLocks noGrp="1"/>
+          </p:cNvSpPr>
+          <p:nvPr>
+            <p:ph type="sldNum" sz="quarter" idx="4"/>
+          </p:nvPr>
+        </p:nvSpPr>
+        <p:spPr/>
+        <p:txBody>
+          <a:bodyPr/>
+          <a:lstStyle/>
+          <a:p>
+            <a:fld id="{E7BE1CCD-89A0-CC45-BF3E-2A331A7F0490}" type="slidenum">
+              <a:rPr lang="de-DE" smtClean="0"/>
+              <a:pPr/>
+              <a:t>4</a:t>
+            </a:fld>
+            <a:endParaRPr lang="de-DE"/>
+          </a:p>
+        </p:txBody>
+      </p:sp>
+      <p:sp>
+        <p:nvSpPr>
+          <p:cNvPr id="6" name="Fußzeilenplatzhalter 5">
+            <a:extLst>
+              <a:ext uri="{FF2B5EF4-FFF2-40B4-BE49-F238E27FC236}">
+                <a16:creationId xmlns:a16="http://schemas.microsoft.com/office/drawing/2014/main" id="{4D3AF280-F7EE-4303-9F02-45419D60357F}"/>
+              </a:ext>
+            </a:extLst>
+          </p:cNvPr>
+          <p:cNvSpPr>
+            <a:spLocks noGrp="1"/>
+          </p:cNvSpPr>
+          <p:nvPr>
+            <p:ph type="ftr" sz="quarter" idx="3"/>
+          </p:nvPr>
+        </p:nvSpPr>
+        <p:spPr/>
+        <p:txBody>
+          <a:bodyPr/>
+          <a:lstStyle/>
+          <a:p>
+            <a:endParaRPr lang="de-DE"/>
+          </a:p>
+        </p:txBody>
+      </p:sp>
+      <p:sp>
+        <p:nvSpPr>
+          <p:cNvPr id="9" name="Textfeld 58">
+            <a:extLst>
+              <a:ext uri="{FF2B5EF4-FFF2-40B4-BE49-F238E27FC236}">
+                <a16:creationId xmlns:a16="http://schemas.microsoft.com/office/drawing/2014/main" id="{8C39AE29-BD62-4670-BB00-2208B99E5778}"/>
+              </a:ext>
+            </a:extLst>
+          </p:cNvPr>
+          <p:cNvSpPr txBox="1"/>
+          <p:nvPr/>
+        </p:nvSpPr>
+        <p:spPr>
+          <a:xfrm>
+            <a:off x="281621" y="4298781"/>
+            <a:ext cx="1591971" cy="646331"/>
+          </a:xfrm>
+          <a:prstGeom prst="rect">
+            <a:avLst/>
+          </a:prstGeom>
+        </p:spPr>
+        <p:style>
+          <a:lnRef idx="2">
+            <a:schemeClr val="accent2"/>
+          </a:lnRef>
+          <a:fillRef idx="1">
+            <a:schemeClr val="lt1"/>
+          </a:fillRef>
+          <a:effectRef idx="0">
+            <a:schemeClr val="accent2"/>
+          </a:effectRef>
+          <a:fontRef idx="minor">
+            <a:schemeClr val="dk1"/>
+          </a:fontRef>
+        </p:style>
+        <p:txBody>
+          <a:bodyPr wrap="square" rtlCol="0" anchor="t">
+            <a:spAutoFit/>
+          </a:bodyPr>
+          <a:lstStyle/>
+          <a:p>
+            <a:r>
+              <a:rPr lang="de-DE">
+                <a:cs typeface="Calibri"/>
+              </a:rPr>
+              <a:t>Erzeugt das </a:t>
+            </a:r>
+            <a:r>
+              <a:rPr lang="de-DE" err="1">
+                <a:cs typeface="Calibri"/>
+              </a:rPr>
+              <a:t>LobbyWindow</a:t>
+            </a:r>
+          </a:p>
+        </p:txBody>
+      </p:sp>
+      <p:sp>
+        <p:nvSpPr>
+          <p:cNvPr id="11" name="Textfeld 58">
+            <a:extLst>
+              <a:ext uri="{FF2B5EF4-FFF2-40B4-BE49-F238E27FC236}">
+                <a16:creationId xmlns:a16="http://schemas.microsoft.com/office/drawing/2014/main" id="{65FAEA10-3082-4CF5-BBCB-45EC4B9CC8AF}"/>
+              </a:ext>
+            </a:extLst>
+          </p:cNvPr>
+          <p:cNvSpPr txBox="1"/>
+          <p:nvPr/>
+        </p:nvSpPr>
+        <p:spPr>
+          <a:xfrm>
+            <a:off x="283502" y="5429552"/>
+            <a:ext cx="1460268" cy="646331"/>
+          </a:xfrm>
+          <a:prstGeom prst="rect">
+            <a:avLst/>
+          </a:prstGeom>
+        </p:spPr>
+        <p:style>
+          <a:lnRef idx="2">
+            <a:schemeClr val="accent2"/>
+          </a:lnRef>
+          <a:fillRef idx="1">
+            <a:schemeClr val="lt1"/>
+          </a:fillRef>
+          <a:effectRef idx="0">
+            <a:schemeClr val="accent2"/>
+          </a:effectRef>
+          <a:fontRef idx="minor">
+            <a:schemeClr val="dk1"/>
+          </a:fontRef>
+        </p:style>
+        <p:txBody>
+          <a:bodyPr wrap="square" rtlCol="0" anchor="t">
+            <a:spAutoFit/>
+          </a:bodyPr>
+          <a:lstStyle/>
+          <a:p>
+            <a:r>
+              <a:rPr lang="de-DE"/>
+              <a:t>Schließt die Anwendung</a:t>
+            </a:r>
+            <a:endParaRPr lang="de-DE">
+              <a:cs typeface="Calibri"/>
+            </a:endParaRPr>
+          </a:p>
+        </p:txBody>
+      </p:sp>
+      <p:cxnSp>
+        <p:nvCxnSpPr>
+          <p:cNvPr id="13" name="Straight Arrow Connector 9">
+            <a:extLst>
+              <a:ext uri="{FF2B5EF4-FFF2-40B4-BE49-F238E27FC236}">
+                <a16:creationId xmlns:a16="http://schemas.microsoft.com/office/drawing/2014/main" id="{33FDD98C-54A4-4B99-8C36-5920D3ED9347}"/>
+              </a:ext>
+            </a:extLst>
+          </p:cNvPr>
+          <p:cNvCxnSpPr>
+            <a:cxnSpLocks/>
+          </p:cNvCxnSpPr>
+          <p:nvPr/>
+        </p:nvCxnSpPr>
+        <p:spPr>
+          <a:xfrm>
+            <a:off x="1930037" y="4847725"/>
+            <a:ext cx="3428594" cy="979146"/>
+          </a:xfrm>
+          <a:prstGeom prst="straightConnector1">
+            <a:avLst/>
+          </a:prstGeom>
+          <a:ln>
+            <a:tailEnd type="triangle"/>
+          </a:ln>
+        </p:spPr>
+        <p:style>
+          <a:lnRef idx="3">
+            <a:schemeClr val="accent2"/>
+          </a:lnRef>
+          <a:fillRef idx="0">
+            <a:schemeClr val="accent2"/>
+          </a:fillRef>
+          <a:effectRef idx="2">
+            <a:schemeClr val="accent2"/>
+          </a:effectRef>
+          <a:fontRef idx="minor">
+            <a:schemeClr val="tx1"/>
+          </a:fontRef>
+        </p:style>
+      </p:cxnSp>
+      <p:cxnSp>
+        <p:nvCxnSpPr>
+          <p:cNvPr id="15" name="Straight Arrow Connector 9">
+            <a:extLst>
+              <a:ext uri="{FF2B5EF4-FFF2-40B4-BE49-F238E27FC236}">
+                <a16:creationId xmlns:a16="http://schemas.microsoft.com/office/drawing/2014/main" id="{E25D193E-00F1-4FE6-9BC5-795D28D5FF55}"/>
+              </a:ext>
+            </a:extLst>
+          </p:cNvPr>
+          <p:cNvCxnSpPr>
+            <a:cxnSpLocks/>
+          </p:cNvCxnSpPr>
+          <p:nvPr/>
+        </p:nvCxnSpPr>
+        <p:spPr>
+          <a:xfrm>
+            <a:off x="1751297" y="5826095"/>
+            <a:ext cx="2280890" cy="245368"/>
+          </a:xfrm>
+          <a:prstGeom prst="straightConnector1">
+            <a:avLst/>
+          </a:prstGeom>
+          <a:ln>
+            <a:tailEnd type="triangle"/>
+          </a:ln>
+        </p:spPr>
+        <p:style>
+          <a:lnRef idx="3">
+            <a:schemeClr val="accent2"/>
+          </a:lnRef>
+          <a:fillRef idx="0">
+            <a:schemeClr val="accent2"/>
+          </a:fillRef>
+          <a:effectRef idx="2">
+            <a:schemeClr val="accent2"/>
+          </a:effectRef>
+          <a:fontRef idx="minor">
+            <a:schemeClr val="tx1"/>
+          </a:fontRef>
+        </p:style>
+      </p:cxnSp>
+    </p:spTree>
+    <p:extLst>
+      <p:ext uri="{BB962C8B-B14F-4D97-AF65-F5344CB8AC3E}">
+        <p14:creationId xmlns:p14="http://schemas.microsoft.com/office/powerpoint/2010/main" val="4240107817"/>
+      </p:ext>
+    </p:extLst>
+  </p:cSld>
+  <p:clrMapOvr>
+    <a:masterClrMapping/>
+  </p:clrMapOvr>
+</p:sld>
+</file>
+
+<file path=ppt/slides/slide5.xml><?xml version="1.0" encoding="utf-8"?>
+<p:sld xmlns:a="http://schemas.openxmlformats.org/drawingml/2006/main" xmlns:r="http://schemas.openxmlformats.org/officeDocument/2006/relationships" xmlns:p="http://schemas.openxmlformats.org/presentationml/2006/main">
+  <p:cSld>
+    <p:spTree>
+      <p:nvGrpSpPr>
+        <p:cNvPr id="1" name=""/>
+        <p:cNvGrpSpPr/>
+        <p:nvPr/>
+      </p:nvGrpSpPr>
+      <p:grpSpPr>
+        <a:xfrm>
+          <a:off x="0" y="0"/>
+          <a:ext cx="0" cy="0"/>
+          <a:chOff x="0" y="0"/>
+          <a:chExt cx="0" cy="0"/>
+        </a:xfrm>
+      </p:grpSpPr>
+      <p:sp>
+        <p:nvSpPr>
+          <p:cNvPr id="2" name="Title 1">
+            <a:extLst>
+              <a:ext uri="{FF2B5EF4-FFF2-40B4-BE49-F238E27FC236}">
+                <a16:creationId xmlns:a16="http://schemas.microsoft.com/office/drawing/2014/main" id="{CA351F2A-07AB-43E2-8985-62B87319F1A6}"/>
+              </a:ext>
+            </a:extLst>
+          </p:cNvPr>
+          <p:cNvSpPr>
+            <a:spLocks noGrp="1"/>
+          </p:cNvSpPr>
+          <p:nvPr>
+            <p:ph type="title"/>
+          </p:nvPr>
+        </p:nvSpPr>
+        <p:spPr/>
+        <p:txBody>
+          <a:bodyPr/>
+          <a:lstStyle/>
+          <a:p>
+            <a:r>
+              <a:rPr lang="de-DE" err="1"/>
+              <a:t>LobbyWindow</a:t>
+            </a:r>
+            <a:endParaRPr lang="de-DE"/>
+          </a:p>
+        </p:txBody>
+      </p:sp>
+      <p:sp>
+        <p:nvSpPr>
+          <p:cNvPr id="4" name="Date Placeholder 3">
+            <a:extLst>
+              <a:ext uri="{FF2B5EF4-FFF2-40B4-BE49-F238E27FC236}">
+                <a16:creationId xmlns:a16="http://schemas.microsoft.com/office/drawing/2014/main" id="{A736B5D5-FEFD-41D2-8DD5-CC130AC46774}"/>
+              </a:ext>
+            </a:extLst>
+          </p:cNvPr>
+          <p:cNvSpPr>
+            <a:spLocks noGrp="1"/>
+          </p:cNvSpPr>
+          <p:nvPr>
+            <p:ph type="dt" sz="half" idx="2"/>
+          </p:nvPr>
+        </p:nvSpPr>
+        <p:spPr/>
+        <p:txBody>
+          <a:bodyPr/>
+          <a:lstStyle/>
+          <a:p>
+            <a:fld id="{0EFF8CB1-A472-480D-BCA1-90B3EE077451}" type="datetime1">
+              <a:rPr lang="de-DE" smtClean="0"/>
+              <a:t>23.06.2020</a:t>
+            </a:fld>
+            <a:endParaRPr lang="de-DE"/>
+          </a:p>
+        </p:txBody>
+      </p:sp>
+      <p:sp>
+        <p:nvSpPr>
+          <p:cNvPr id="5" name="Slide Number Placeholder 4">
+            <a:extLst>
+              <a:ext uri="{FF2B5EF4-FFF2-40B4-BE49-F238E27FC236}">
+                <a16:creationId xmlns:a16="http://schemas.microsoft.com/office/drawing/2014/main" id="{D44D10B9-D89B-4AB4-A241-B36DF8845E29}"/>
+              </a:ext>
+            </a:extLst>
+          </p:cNvPr>
+          <p:cNvSpPr>
+            <a:spLocks noGrp="1"/>
+          </p:cNvSpPr>
+          <p:nvPr>
+            <p:ph type="sldNum" sz="quarter" idx="4"/>
+          </p:nvPr>
+        </p:nvSpPr>
+        <p:spPr/>
+        <p:txBody>
+          <a:bodyPr/>
+          <a:lstStyle/>
+          <a:p>
+            <a:fld id="{E7BE1CCD-89A0-CC45-BF3E-2A331A7F0490}" type="slidenum">
+              <a:rPr lang="de-DE" smtClean="0"/>
+              <a:pPr/>
+              <a:t>5</a:t>
+            </a:fld>
+            <a:endParaRPr lang="de-DE"/>
+          </a:p>
+        </p:txBody>
+      </p:sp>
+      <p:sp>
+        <p:nvSpPr>
+          <p:cNvPr id="6" name="Footer Placeholder 5">
+            <a:extLst>
+              <a:ext uri="{FF2B5EF4-FFF2-40B4-BE49-F238E27FC236}">
+                <a16:creationId xmlns:a16="http://schemas.microsoft.com/office/drawing/2014/main" id="{F7917A24-E586-4EDE-B080-31875DCF33D1}"/>
+              </a:ext>
+            </a:extLst>
+          </p:cNvPr>
+          <p:cNvSpPr>
+            <a:spLocks noGrp="1"/>
+          </p:cNvSpPr>
+          <p:nvPr>
+            <p:ph type="ftr" sz="quarter" idx="3"/>
+          </p:nvPr>
+        </p:nvSpPr>
+        <p:spPr/>
+        <p:txBody>
+          <a:bodyPr/>
+          <a:lstStyle/>
+          <a:p>
+            <a:endParaRPr lang="de-DE"/>
+          </a:p>
+        </p:txBody>
+      </p:sp>
+      <p:sp>
+        <p:nvSpPr>
+          <p:cNvPr id="24" name="Textfeld 58">
+            <a:extLst>
+              <a:ext uri="{FF2B5EF4-FFF2-40B4-BE49-F238E27FC236}">
+                <a16:creationId xmlns:a16="http://schemas.microsoft.com/office/drawing/2014/main" id="{5135B7BF-0161-4525-8F38-EB55318B64E8}"/>
+              </a:ext>
+            </a:extLst>
+          </p:cNvPr>
+          <p:cNvSpPr txBox="1"/>
+          <p:nvPr/>
+        </p:nvSpPr>
+        <p:spPr>
+          <a:xfrm>
+            <a:off x="281621" y="3090573"/>
+            <a:ext cx="1434466" cy="646331"/>
+          </a:xfrm>
+          <a:prstGeom prst="rect">
+            <a:avLst/>
+          </a:prstGeom>
+        </p:spPr>
+        <p:style>
+          <a:lnRef idx="2">
+            <a:schemeClr val="accent2"/>
+          </a:lnRef>
+          <a:fillRef idx="1">
+            <a:schemeClr val="lt1"/>
+          </a:fillRef>
+          <a:effectRef idx="0">
+            <a:schemeClr val="accent2"/>
+          </a:effectRef>
+          <a:fontRef idx="minor">
+            <a:schemeClr val="dk1"/>
+          </a:fontRef>
+        </p:style>
+        <p:txBody>
+          <a:bodyPr wrap="square" rtlCol="0">
+            <a:spAutoFit/>
+          </a:bodyPr>
+          <a:lstStyle/>
+          <a:p>
+            <a:r>
+              <a:rPr lang="de-DE"/>
+              <a:t>Liste von </a:t>
+            </a:r>
+          </a:p>
+          <a:p>
+            <a:r>
+              <a:rPr lang="de-DE"/>
+              <a:t>IP-Adressen</a:t>
+            </a:r>
+          </a:p>
+        </p:txBody>
+      </p:sp>
+      <p:sp>
+        <p:nvSpPr>
+          <p:cNvPr id="27" name="Textfeld 58">
+            <a:extLst>
+              <a:ext uri="{FF2B5EF4-FFF2-40B4-BE49-F238E27FC236}">
+                <a16:creationId xmlns:a16="http://schemas.microsoft.com/office/drawing/2014/main" id="{B2C0F308-5E6F-4AF8-B40A-A1D9D7271C7B}"/>
+              </a:ext>
+            </a:extLst>
+          </p:cNvPr>
+          <p:cNvSpPr txBox="1"/>
+          <p:nvPr/>
+        </p:nvSpPr>
+        <p:spPr>
+          <a:xfrm>
+            <a:off x="245562" y="4836906"/>
+            <a:ext cx="1434466" cy="646331"/>
+          </a:xfrm>
+          <a:prstGeom prst="rect">
+            <a:avLst/>
+          </a:prstGeom>
+        </p:spPr>
+        <p:style>
+          <a:lnRef idx="2">
+            <a:schemeClr val="accent2"/>
+          </a:lnRef>
+          <a:fillRef idx="1">
+            <a:schemeClr val="lt1"/>
+          </a:fillRef>
+          <a:effectRef idx="0">
+            <a:schemeClr val="accent2"/>
+          </a:effectRef>
+          <a:fontRef idx="minor">
+            <a:schemeClr val="dk1"/>
+          </a:fontRef>
+        </p:style>
+        <p:txBody>
+          <a:bodyPr wrap="square" rtlCol="0">
+            <a:spAutoFit/>
+          </a:bodyPr>
+          <a:lstStyle/>
+          <a:p>
+            <a:r>
+              <a:rPr lang="de-DE"/>
+              <a:t>Aktualisieren</a:t>
+            </a:r>
+          </a:p>
+          <a:p>
+            <a:r>
+              <a:rPr lang="de-DE"/>
+              <a:t>-Knopf</a:t>
+            </a:r>
+          </a:p>
+        </p:txBody>
+      </p:sp>
+      <p:sp>
+        <p:nvSpPr>
+          <p:cNvPr id="29" name="Textfeld 58">
+            <a:extLst>
+              <a:ext uri="{FF2B5EF4-FFF2-40B4-BE49-F238E27FC236}">
+                <a16:creationId xmlns:a16="http://schemas.microsoft.com/office/drawing/2014/main" id="{10CC6863-D59F-4A29-9C23-11612E928289}"/>
+              </a:ext>
+            </a:extLst>
+          </p:cNvPr>
+          <p:cNvSpPr txBox="1"/>
+          <p:nvPr/>
+        </p:nvSpPr>
+        <p:spPr>
+          <a:xfrm>
+            <a:off x="362243" y="4118644"/>
+            <a:ext cx="1192281" cy="369332"/>
+          </a:xfrm>
+          <a:prstGeom prst="rect">
+            <a:avLst/>
+          </a:prstGeom>
+        </p:spPr>
+        <p:style>
+          <a:lnRef idx="2">
+            <a:schemeClr val="accent2"/>
+          </a:lnRef>
+          <a:fillRef idx="1">
+            <a:schemeClr val="lt1"/>
+          </a:fillRef>
+          <a:effectRef idx="0">
+            <a:schemeClr val="accent2"/>
+          </a:effectRef>
+          <a:fontRef idx="minor">
+            <a:schemeClr val="dk1"/>
+          </a:fontRef>
+        </p:style>
+        <p:txBody>
+          <a:bodyPr wrap="square" rtlCol="0">
+            <a:spAutoFit/>
+          </a:bodyPr>
+          <a:lstStyle/>
+          <a:p>
+            <a:r>
+              <a:rPr lang="de-DE" err="1"/>
+              <a:t>Join</a:t>
+            </a:r>
+            <a:r>
+              <a:rPr lang="de-DE"/>
+              <a:t>-Knopf</a:t>
+            </a:r>
+          </a:p>
+        </p:txBody>
+      </p:sp>
+      <p:sp>
+        <p:nvSpPr>
+          <p:cNvPr id="32" name="Textfeld 58">
+            <a:extLst>
+              <a:ext uri="{FF2B5EF4-FFF2-40B4-BE49-F238E27FC236}">
+                <a16:creationId xmlns:a16="http://schemas.microsoft.com/office/drawing/2014/main" id="{0E491836-041C-4ED1-A680-B34CF065D1D1}"/>
+              </a:ext>
+            </a:extLst>
+          </p:cNvPr>
+          <p:cNvSpPr txBox="1"/>
+          <p:nvPr/>
+        </p:nvSpPr>
+        <p:spPr>
+          <a:xfrm>
+            <a:off x="281621" y="1984559"/>
+            <a:ext cx="1460268" cy="646331"/>
+          </a:xfrm>
+          <a:prstGeom prst="rect">
+            <a:avLst/>
+          </a:prstGeom>
+        </p:spPr>
+        <p:style>
+          <a:lnRef idx="2">
+            <a:schemeClr val="accent2"/>
+          </a:lnRef>
+          <a:fillRef idx="1">
+            <a:schemeClr val="lt1"/>
+          </a:fillRef>
+          <a:effectRef idx="0">
+            <a:schemeClr val="accent2"/>
+          </a:effectRef>
+          <a:fontRef idx="minor">
+            <a:schemeClr val="dk1"/>
+          </a:fontRef>
+        </p:style>
+        <p:txBody>
+          <a:bodyPr wrap="square" rtlCol="0">
+            <a:spAutoFit/>
+          </a:bodyPr>
+          <a:lstStyle/>
+          <a:p>
+            <a:r>
+              <a:rPr lang="de-DE"/>
+              <a:t>IP-Eingabefeld</a:t>
+            </a:r>
+          </a:p>
+        </p:txBody>
+      </p:sp>
+      <p:sp>
+        <p:nvSpPr>
+          <p:cNvPr id="37" name="Textfeld 58">
+            <a:extLst>
+              <a:ext uri="{FF2B5EF4-FFF2-40B4-BE49-F238E27FC236}">
+                <a16:creationId xmlns:a16="http://schemas.microsoft.com/office/drawing/2014/main" id="{9AF92234-927A-4F34-BE31-955B1823C8D3}"/>
+              </a:ext>
+            </a:extLst>
+          </p:cNvPr>
+          <p:cNvSpPr txBox="1"/>
+          <p:nvPr/>
+        </p:nvSpPr>
+        <p:spPr>
+          <a:xfrm>
+            <a:off x="281621" y="5859898"/>
+            <a:ext cx="1272903" cy="369332"/>
+          </a:xfrm>
+          <a:prstGeom prst="rect">
+            <a:avLst/>
+          </a:prstGeom>
+        </p:spPr>
+        <p:style>
+          <a:lnRef idx="2">
+            <a:schemeClr val="accent2"/>
+          </a:lnRef>
+          <a:fillRef idx="1">
+            <a:schemeClr val="lt1"/>
+          </a:fillRef>
+          <a:effectRef idx="0">
+            <a:schemeClr val="accent2"/>
+          </a:effectRef>
+          <a:fontRef idx="minor">
+            <a:schemeClr val="dk1"/>
+          </a:fontRef>
+        </p:style>
+        <p:txBody>
+          <a:bodyPr wrap="square" rtlCol="0">
+            <a:spAutoFit/>
+          </a:bodyPr>
+          <a:lstStyle/>
+          <a:p>
+            <a:r>
+              <a:rPr lang="de-DE"/>
+              <a:t>Host-Knopf</a:t>
+            </a:r>
+          </a:p>
+        </p:txBody>
+      </p:sp>
+      <p:pic>
+        <p:nvPicPr>
+          <p:cNvPr id="3" name="Picture 2">
+            <a:extLst>
+              <a:ext uri="{FF2B5EF4-FFF2-40B4-BE49-F238E27FC236}">
+                <a16:creationId xmlns:a16="http://schemas.microsoft.com/office/drawing/2014/main" id="{4DA66A99-06E3-469B-BD5D-4CA4E6B4C993}"/>
+              </a:ext>
+            </a:extLst>
+          </p:cNvPr>
+          <p:cNvPicPr>
+            <a:picLocks noChangeAspect="1"/>
+          </p:cNvPicPr>
+          <p:nvPr/>
+        </p:nvPicPr>
+        <p:blipFill>
+          <a:blip r:embed="rId3"/>
+          <a:stretch>
+            <a:fillRect/>
+          </a:stretch>
+        </p:blipFill>
+        <p:spPr>
+          <a:xfrm>
+            <a:off x="2286400" y="1735156"/>
+            <a:ext cx="7010246" cy="4429395"/>
+          </a:xfrm>
+          <a:prstGeom prst="rect">
+            <a:avLst/>
+          </a:prstGeom>
+        </p:spPr>
+      </p:pic>
+      <p:cxnSp>
+        <p:nvCxnSpPr>
+          <p:cNvPr id="10" name="Straight Arrow Connector 9">
+            <a:extLst>
+              <a:ext uri="{FF2B5EF4-FFF2-40B4-BE49-F238E27FC236}">
+                <a16:creationId xmlns:a16="http://schemas.microsoft.com/office/drawing/2014/main" id="{BFE123B9-DD9E-4BFC-BD17-2AD13FEE51F0}"/>
+              </a:ext>
+            </a:extLst>
+          </p:cNvPr>
+          <p:cNvCxnSpPr>
+            <a:cxnSpLocks/>
+            <a:stCxn id="32" idx="3"/>
+          </p:cNvCxnSpPr>
+          <p:nvPr/>
+        </p:nvCxnSpPr>
+        <p:spPr>
+          <a:xfrm flipV="1">
+            <a:off x="1741889" y="2073316"/>
+            <a:ext cx="606372" cy="234409"/>
+          </a:xfrm>
+          <a:prstGeom prst="straightConnector1">
+            <a:avLst/>
+          </a:prstGeom>
+          <a:ln>
+            <a:tailEnd type="triangle"/>
+          </a:ln>
+        </p:spPr>
+        <p:style>
+          <a:lnRef idx="3">
+            <a:schemeClr val="accent2"/>
+          </a:lnRef>
+          <a:fillRef idx="0">
+            <a:schemeClr val="accent2"/>
+          </a:fillRef>
+          <a:effectRef idx="2">
+            <a:schemeClr val="accent2"/>
+          </a:effectRef>
+          <a:fontRef idx="minor">
+            <a:schemeClr val="tx1"/>
+          </a:fontRef>
+        </p:style>
+      </p:cxnSp>
+      <p:cxnSp>
+        <p:nvCxnSpPr>
+          <p:cNvPr id="14" name="Straight Arrow Connector 13">
+            <a:extLst>
+              <a:ext uri="{FF2B5EF4-FFF2-40B4-BE49-F238E27FC236}">
+                <a16:creationId xmlns:a16="http://schemas.microsoft.com/office/drawing/2014/main" id="{08818F20-D87B-4551-9C9C-A028A2215978}"/>
+              </a:ext>
+            </a:extLst>
+          </p:cNvPr>
+          <p:cNvCxnSpPr>
+            <a:cxnSpLocks/>
+            <a:stCxn id="37" idx="3"/>
+          </p:cNvCxnSpPr>
+          <p:nvPr/>
+        </p:nvCxnSpPr>
+        <p:spPr>
+          <a:xfrm>
+            <a:off x="1554524" y="6044564"/>
+            <a:ext cx="827864" cy="0"/>
+          </a:xfrm>
+          <a:prstGeom prst="straightConnector1">
+            <a:avLst/>
+          </a:prstGeom>
+          <a:ln>
+            <a:tailEnd type="triangle"/>
+          </a:ln>
+        </p:spPr>
+        <p:style>
+          <a:lnRef idx="3">
+            <a:schemeClr val="accent2"/>
+          </a:lnRef>
+          <a:fillRef idx="0">
+            <a:schemeClr val="accent2"/>
+          </a:fillRef>
+          <a:effectRef idx="2">
+            <a:schemeClr val="accent2"/>
+          </a:effectRef>
+          <a:fontRef idx="minor">
+            <a:schemeClr val="tx1"/>
+          </a:fontRef>
+        </p:style>
+      </p:cxnSp>
+      <p:cxnSp>
+        <p:nvCxnSpPr>
+          <p:cNvPr id="17" name="Straight Arrow Connector 16">
+            <a:extLst>
+              <a:ext uri="{FF2B5EF4-FFF2-40B4-BE49-F238E27FC236}">
+                <a16:creationId xmlns:a16="http://schemas.microsoft.com/office/drawing/2014/main" id="{A7D9D5BB-ECC3-4C78-88AA-59F0467B8D94}"/>
+              </a:ext>
+            </a:extLst>
+          </p:cNvPr>
+          <p:cNvCxnSpPr>
+            <a:cxnSpLocks/>
+            <a:stCxn id="24" idx="3"/>
+          </p:cNvCxnSpPr>
+          <p:nvPr/>
+        </p:nvCxnSpPr>
+        <p:spPr>
+          <a:xfrm flipV="1">
+            <a:off x="1716087" y="2630890"/>
+            <a:ext cx="993998" cy="782849"/>
+          </a:xfrm>
+          <a:prstGeom prst="straightConnector1">
+            <a:avLst/>
+          </a:prstGeom>
+          <a:ln>
+            <a:tailEnd type="triangle"/>
+          </a:ln>
+        </p:spPr>
+        <p:style>
+          <a:lnRef idx="3">
+            <a:schemeClr val="accent2"/>
+          </a:lnRef>
+          <a:fillRef idx="0">
+            <a:schemeClr val="accent2"/>
+          </a:fillRef>
+          <a:effectRef idx="2">
+            <a:schemeClr val="accent2"/>
+          </a:effectRef>
+          <a:fontRef idx="minor">
+            <a:schemeClr val="tx1"/>
+          </a:fontRef>
+        </p:style>
+      </p:cxnSp>
+      <p:cxnSp>
+        <p:nvCxnSpPr>
+          <p:cNvPr id="21" name="Straight Arrow Connector 20">
+            <a:extLst>
+              <a:ext uri="{FF2B5EF4-FFF2-40B4-BE49-F238E27FC236}">
+                <a16:creationId xmlns:a16="http://schemas.microsoft.com/office/drawing/2014/main" id="{1474978A-88A1-4C54-B8B2-695D1C3C7C81}"/>
+              </a:ext>
+            </a:extLst>
+          </p:cNvPr>
+          <p:cNvCxnSpPr>
+            <a:cxnSpLocks/>
+            <a:stCxn id="27" idx="3"/>
+          </p:cNvCxnSpPr>
+          <p:nvPr/>
+        </p:nvCxnSpPr>
+        <p:spPr>
+          <a:xfrm>
+            <a:off x="1680028" y="5160072"/>
+            <a:ext cx="4007339" cy="826545"/>
+          </a:xfrm>
+          <a:prstGeom prst="straightConnector1">
+            <a:avLst/>
+          </a:prstGeom>
+          <a:ln>
+            <a:tailEnd type="triangle"/>
+          </a:ln>
+        </p:spPr>
+        <p:style>
+          <a:lnRef idx="3">
+            <a:schemeClr val="accent2"/>
+          </a:lnRef>
+          <a:fillRef idx="0">
+            <a:schemeClr val="accent2"/>
+          </a:fillRef>
+          <a:effectRef idx="2">
+            <a:schemeClr val="accent2"/>
+          </a:effectRef>
+          <a:fontRef idx="minor">
+            <a:schemeClr val="tx1"/>
+          </a:fontRef>
+        </p:style>
+      </p:cxnSp>
+      <p:cxnSp>
+        <p:nvCxnSpPr>
+          <p:cNvPr id="23" name="Straight Arrow Connector 22">
+            <a:extLst>
+              <a:ext uri="{FF2B5EF4-FFF2-40B4-BE49-F238E27FC236}">
+                <a16:creationId xmlns:a16="http://schemas.microsoft.com/office/drawing/2014/main" id="{EE8DA3DE-1044-4FE2-9B56-761C5AAA978E}"/>
+              </a:ext>
+            </a:extLst>
+          </p:cNvPr>
+          <p:cNvCxnSpPr>
+            <a:cxnSpLocks/>
+            <a:stCxn id="29" idx="3"/>
+          </p:cNvCxnSpPr>
+          <p:nvPr/>
+        </p:nvCxnSpPr>
+        <p:spPr>
+          <a:xfrm>
+            <a:off x="1554524" y="4303310"/>
+            <a:ext cx="7328219" cy="1683307"/>
+          </a:xfrm>
+          <a:prstGeom prst="straightConnector1">
+            <a:avLst/>
+          </a:prstGeom>
+          <a:ln>
+            <a:tailEnd type="triangle"/>
+          </a:ln>
+        </p:spPr>
+        <p:style>
+          <a:lnRef idx="3">
+            <a:schemeClr val="accent2"/>
+          </a:lnRef>
+          <a:fillRef idx="0">
+            <a:schemeClr val="accent2"/>
+          </a:fillRef>
+          <a:effectRef idx="2">
+            <a:schemeClr val="accent2"/>
+          </a:effectRef>
+          <a:fontRef idx="minor">
+            <a:schemeClr val="tx1"/>
+          </a:fontRef>
+        </p:style>
+      </p:cxnSp>
+      <p:sp>
+        <p:nvSpPr>
+          <p:cNvPr id="51" name="Textfeld 58">
+            <a:extLst>
+              <a:ext uri="{FF2B5EF4-FFF2-40B4-BE49-F238E27FC236}">
+                <a16:creationId xmlns:a16="http://schemas.microsoft.com/office/drawing/2014/main" id="{40C03EB6-87C3-4A92-B652-E9E979F235BB}"/>
+              </a:ext>
+            </a:extLst>
+          </p:cNvPr>
+          <p:cNvSpPr txBox="1"/>
+          <p:nvPr/>
+        </p:nvSpPr>
+        <p:spPr>
+          <a:xfrm>
+            <a:off x="9710549" y="3842733"/>
+            <a:ext cx="1546175" cy="369332"/>
+          </a:xfrm>
+          <a:prstGeom prst="rect">
+            <a:avLst/>
+          </a:prstGeom>
+        </p:spPr>
+        <p:style>
+          <a:lnRef idx="2">
+            <a:schemeClr val="accent2"/>
+          </a:lnRef>
+          <a:fillRef idx="1">
+            <a:schemeClr val="lt1"/>
+          </a:fillRef>
+          <a:effectRef idx="0">
+            <a:schemeClr val="accent2"/>
+          </a:effectRef>
+          <a:fontRef idx="minor">
+            <a:schemeClr val="dk1"/>
+          </a:fontRef>
+        </p:style>
+        <p:txBody>
+          <a:bodyPr wrap="square" rtlCol="0">
+            <a:spAutoFit/>
+          </a:bodyPr>
+          <a:lstStyle/>
+          <a:p>
+            <a:r>
+              <a:rPr lang="de-DE" err="1"/>
+              <a:t>GridBagLayout</a:t>
+            </a:r>
+            <a:endParaRPr lang="de-DE"/>
+          </a:p>
+        </p:txBody>
+      </p:sp>
+      <p:sp>
+        <p:nvSpPr>
+          <p:cNvPr id="7" name="Right Brace 6">
+            <a:extLst>
+              <a:ext uri="{FF2B5EF4-FFF2-40B4-BE49-F238E27FC236}">
+                <a16:creationId xmlns:a16="http://schemas.microsoft.com/office/drawing/2014/main" id="{1E27B33F-2791-4B37-8810-FE98BCB184A0}"/>
+              </a:ext>
+            </a:extLst>
+          </p:cNvPr>
+          <p:cNvSpPr/>
+          <p:nvPr/>
+        </p:nvSpPr>
+        <p:spPr>
+          <a:xfrm>
+            <a:off x="9296646" y="1947775"/>
+            <a:ext cx="409691" cy="4157650"/>
+          </a:xfrm>
+          <a:prstGeom prst="rightBrace">
+            <a:avLst/>
+          </a:prstGeom>
+        </p:spPr>
+        <p:style>
+          <a:lnRef idx="2">
+            <a:schemeClr val="accent1"/>
+          </a:lnRef>
+          <a:fillRef idx="0">
+            <a:schemeClr val="accent1"/>
+          </a:fillRef>
+          <a:effectRef idx="1">
+            <a:schemeClr val="accent1"/>
+          </a:effectRef>
+          <a:fontRef idx="minor">
+            <a:schemeClr val="tx1"/>
+          </a:fontRef>
+        </p:style>
+        <p:txBody>
+          <a:bodyPr rtlCol="0" anchor="ctr"/>
+          <a:lstStyle/>
+          <a:p>
+            <a:pPr algn="ctr"/>
+            <a:endParaRPr lang="de-DE"/>
+          </a:p>
+        </p:txBody>
+      </p:sp>
+    </p:spTree>
+    <p:extLst>
+      <p:ext uri="{BB962C8B-B14F-4D97-AF65-F5344CB8AC3E}">
+        <p14:creationId xmlns:p14="http://schemas.microsoft.com/office/powerpoint/2010/main" val="4036721212"/>
+      </p:ext>
+    </p:extLst>
+  </p:cSld>
+  <p:clrMapOvr>
+    <a:masterClrMapping/>
+  </p:clrMapOvr>
+</p:sld>
+</file>
+
+<file path=ppt/slides/slide6.xml><?xml version="1.0" encoding="utf-8"?>
+<p:sld xmlns:a="http://schemas.openxmlformats.org/drawingml/2006/main" xmlns:r="http://schemas.openxmlformats.org/officeDocument/2006/relationships" xmlns:p="http://schemas.openxmlformats.org/presentationml/2006/main">
+  <p:cSld>
+    <p:spTree>
+      <p:nvGrpSpPr>
+        <p:cNvPr id="1" name=""/>
+        <p:cNvGrpSpPr/>
+        <p:nvPr/>
+      </p:nvGrpSpPr>
+      <p:grpSpPr>
+        <a:xfrm>
+          <a:off x="0" y="0"/>
+          <a:ext cx="0" cy="0"/>
+          <a:chOff x="0" y="0"/>
+          <a:chExt cx="0" cy="0"/>
+        </a:xfrm>
+      </p:grpSpPr>
+      <p:sp>
+        <p:nvSpPr>
+          <p:cNvPr id="2" name="Title 1">
+            <a:extLst>
+              <a:ext uri="{FF2B5EF4-FFF2-40B4-BE49-F238E27FC236}">
+                <a16:creationId xmlns:a16="http://schemas.microsoft.com/office/drawing/2014/main" id="{A08446B2-45EB-4614-BB88-88A1A8048683}"/>
+              </a:ext>
+            </a:extLst>
+          </p:cNvPr>
+          <p:cNvSpPr>
+            <a:spLocks noGrp="1"/>
+          </p:cNvSpPr>
+          <p:nvPr>
+            <p:ph type="title"/>
+          </p:nvPr>
+        </p:nvSpPr>
+        <p:spPr>
+          <a:xfrm>
+            <a:off x="864000" y="745650"/>
+            <a:ext cx="10233909" cy="1143000"/>
+          </a:xfrm>
+        </p:spPr>
+        <p:txBody>
+          <a:bodyPr anchor="ctr">
+            <a:normAutofit/>
+          </a:bodyPr>
+          <a:lstStyle/>
+          <a:p>
+            <a:r>
+              <a:rPr lang="de-DE"/>
+              <a:t>IP-Discover</a:t>
+            </a:r>
+          </a:p>
+        </p:txBody>
+      </p:sp>
+      <p:sp>
+        <p:nvSpPr>
+          <p:cNvPr id="4" name="Date Placeholder 3">
+            <a:extLst>
+              <a:ext uri="{FF2B5EF4-FFF2-40B4-BE49-F238E27FC236}">
+                <a16:creationId xmlns:a16="http://schemas.microsoft.com/office/drawing/2014/main" id="{69E6E9F0-A45A-4B0F-82DF-4E2424B28DC0}"/>
+              </a:ext>
+            </a:extLst>
+          </p:cNvPr>
+          <p:cNvSpPr>
+            <a:spLocks noGrp="1"/>
+          </p:cNvSpPr>
+          <p:nvPr>
+            <p:ph type="dt" sz="half" idx="2"/>
+          </p:nvPr>
+        </p:nvSpPr>
+        <p:spPr>
+          <a:xfrm>
+            <a:off x="864000" y="6492816"/>
+            <a:ext cx="2844800" cy="111954"/>
+          </a:xfrm>
+        </p:spPr>
+        <p:txBody>
+          <a:bodyPr anchor="ctr">
+            <a:normAutofit/>
+          </a:bodyPr>
+          <a:lstStyle/>
+          <a:p>
+            <a:pPr>
+              <a:spcAft>
+                <a:spcPts val="600"/>
+              </a:spcAft>
+            </a:pPr>
+            <a:fld id="{0EFF8CB1-A472-480D-BCA1-90B3EE077451}" type="datetime1">
+              <a:rPr lang="de-DE" smtClean="0"/>
+              <a:pPr>
+                <a:spcAft>
+                  <a:spcPts val="600"/>
+                </a:spcAft>
+              </a:pPr>
+              <a:t>23.06.2020</a:t>
+            </a:fld>
+            <a:endParaRPr lang="de-DE"/>
+          </a:p>
+        </p:txBody>
+      </p:sp>
+      <p:sp>
+        <p:nvSpPr>
+          <p:cNvPr id="5" name="Slide Number Placeholder 4">
+            <a:extLst>
+              <a:ext uri="{FF2B5EF4-FFF2-40B4-BE49-F238E27FC236}">
+                <a16:creationId xmlns:a16="http://schemas.microsoft.com/office/drawing/2014/main" id="{C7F93789-6134-411C-BFCE-3CBC05D5F5E1}"/>
+              </a:ext>
+            </a:extLst>
+          </p:cNvPr>
+          <p:cNvSpPr>
+            <a:spLocks noGrp="1"/>
+          </p:cNvSpPr>
+          <p:nvPr>
+            <p:ph type="sldNum" sz="quarter" idx="4"/>
+          </p:nvPr>
+        </p:nvSpPr>
+        <p:spPr>
+          <a:xfrm>
+            <a:off x="8531200" y="6493481"/>
+            <a:ext cx="2844800" cy="111290"/>
+          </a:xfrm>
+        </p:spPr>
+        <p:txBody>
+          <a:bodyPr anchor="ctr">
+            <a:normAutofit/>
+          </a:bodyPr>
+          <a:lstStyle/>
+          <a:p>
+            <a:pPr>
+              <a:spcAft>
+                <a:spcPts val="600"/>
+              </a:spcAft>
+            </a:pPr>
+            <a:fld id="{E7BE1CCD-89A0-CC45-BF3E-2A331A7F0490}" type="slidenum">
+              <a:rPr lang="de-DE" smtClean="0"/>
+              <a:pPr>
+                <a:spcAft>
+                  <a:spcPts val="600"/>
+                </a:spcAft>
+              </a:pPr>
+              <a:t>6</a:t>
+            </a:fld>
+            <a:endParaRPr lang="de-DE"/>
+          </a:p>
+        </p:txBody>
+      </p:sp>
+      <p:sp>
+        <p:nvSpPr>
+          <p:cNvPr id="13" name="Footer Placeholder 5">
+            <a:extLst>
+              <a:ext uri="{FF2B5EF4-FFF2-40B4-BE49-F238E27FC236}">
+                <a16:creationId xmlns:a16="http://schemas.microsoft.com/office/drawing/2014/main" id="{D79CF830-3987-4115-AABA-DA42619D8B92}"/>
+              </a:ext>
+            </a:extLst>
+          </p:cNvPr>
+          <p:cNvSpPr>
+            <a:spLocks noGrp="1"/>
+          </p:cNvSpPr>
+          <p:nvPr>
+            <p:ph type="ftr" sz="quarter" idx="3"/>
+          </p:nvPr>
+        </p:nvSpPr>
+        <p:spPr>
+          <a:xfrm>
+            <a:off x="4038600" y="6493481"/>
+            <a:ext cx="4114800" cy="111290"/>
+          </a:xfrm>
+        </p:spPr>
+        <p:txBody>
+          <a:bodyPr/>
+          <a:lstStyle/>
+          <a:p>
+            <a:endParaRPr lang="de-DE"/>
+          </a:p>
+        </p:txBody>
+      </p:sp>
+      <p:pic>
+        <p:nvPicPr>
+          <p:cNvPr id="8" name="Content Placeholder 7" descr="A picture containing map&#10;&#10;Description automatically generated">
+            <a:extLst>
+              <a:ext uri="{FF2B5EF4-FFF2-40B4-BE49-F238E27FC236}">
+                <a16:creationId xmlns:a16="http://schemas.microsoft.com/office/drawing/2014/main" id="{5A8C256E-8C2C-4486-A15C-FDA185254A64}"/>
+              </a:ext>
+            </a:extLst>
+          </p:cNvPr>
+          <p:cNvPicPr>
+            <a:picLocks noGrp="1" noChangeAspect="1"/>
+          </p:cNvPicPr>
+          <p:nvPr>
+            <p:ph idx="1"/>
+          </p:nvPr>
+        </p:nvPicPr>
+        <p:blipFill>
+          <a:blip r:embed="rId3"/>
+          <a:stretch>
+            <a:fillRect/>
+          </a:stretch>
+        </p:blipFill>
+        <p:spPr>
+          <a:xfrm>
+            <a:off x="3413760" y="1763094"/>
+            <a:ext cx="4847854" cy="4363069"/>
+          </a:xfrm>
+        </p:spPr>
+      </p:pic>
+    </p:spTree>
+    <p:extLst>
+      <p:ext uri="{BB962C8B-B14F-4D97-AF65-F5344CB8AC3E}">
+        <p14:creationId xmlns:p14="http://schemas.microsoft.com/office/powerpoint/2010/main" val="3467925272"/>
+      </p:ext>
+    </p:extLst>
+  </p:cSld>
+  <p:clrMapOvr>
+    <a:masterClrMapping/>
+  </p:clrMapOvr>
+</p:sld>
+</file>
+
+<file path=ppt/slides/slide7.xml><?xml version="1.0" encoding="utf-8"?>
+<p:sld xmlns:a="http://schemas.openxmlformats.org/drawingml/2006/main" xmlns:r="http://schemas.openxmlformats.org/officeDocument/2006/relationships" xmlns:p="http://schemas.openxmlformats.org/presentationml/2006/main">
+  <p:cSld>
+    <p:spTree>
+      <p:nvGrpSpPr>
+        <p:cNvPr id="1" name=""/>
+        <p:cNvGrpSpPr/>
+        <p:nvPr/>
+      </p:nvGrpSpPr>
+      <p:grpSpPr>
+        <a:xfrm>
+          <a:off x="0" y="0"/>
+          <a:ext cx="0" cy="0"/>
+          <a:chOff x="0" y="0"/>
+          <a:chExt cx="0" cy="0"/>
+        </a:xfrm>
+      </p:grpSpPr>
+      <p:pic>
+        <p:nvPicPr>
+          <p:cNvPr id="8" name="Picture 7">
+            <a:extLst>
+              <a:ext uri="{FF2B5EF4-FFF2-40B4-BE49-F238E27FC236}">
+                <a16:creationId xmlns:a16="http://schemas.microsoft.com/office/drawing/2014/main" id="{2C5D8A7F-3BC9-4C51-BD6F-A1031F7EAB0D}"/>
+              </a:ext>
+            </a:extLst>
+          </p:cNvPr>
+          <p:cNvPicPr>
+            <a:picLocks noChangeAspect="1"/>
+          </p:cNvPicPr>
+          <p:nvPr/>
+        </p:nvPicPr>
+        <p:blipFill>
+          <a:blip r:embed="rId3"/>
+          <a:stretch>
+            <a:fillRect/>
+          </a:stretch>
+        </p:blipFill>
+        <p:spPr>
+          <a:xfrm>
+            <a:off x="2407642" y="1601858"/>
+            <a:ext cx="7138596" cy="4510493"/>
+          </a:xfrm>
+          <a:prstGeom prst="rect">
+            <a:avLst/>
+          </a:prstGeom>
+        </p:spPr>
+      </p:pic>
+      <p:sp>
+        <p:nvSpPr>
+          <p:cNvPr id="26" name="Title 1">
+            <a:extLst>
+              <a:ext uri="{FF2B5EF4-FFF2-40B4-BE49-F238E27FC236}">
+                <a16:creationId xmlns:a16="http://schemas.microsoft.com/office/drawing/2014/main" id="{3C73147A-22D0-446E-A4E6-870CE3FB67B0}"/>
+              </a:ext>
+            </a:extLst>
+          </p:cNvPr>
+          <p:cNvSpPr>
+            <a:spLocks noGrp="1"/>
+          </p:cNvSpPr>
+          <p:nvPr>
+            <p:ph type="title"/>
+          </p:nvPr>
+        </p:nvSpPr>
+        <p:spPr>
+          <a:xfrm>
+            <a:off x="864000" y="745650"/>
+            <a:ext cx="10233909" cy="1143000"/>
+          </a:xfrm>
+        </p:spPr>
+        <p:txBody>
+          <a:bodyPr/>
+          <a:lstStyle/>
+          <a:p>
+            <a:r>
+              <a:rPr lang="de-DE"/>
+              <a:t>Spielfeld</a:t>
+            </a:r>
+          </a:p>
+        </p:txBody>
+      </p:sp>
+      <p:sp>
+        <p:nvSpPr>
+          <p:cNvPr id="4" name="Datumsplatzhalter 3">
+            <a:extLst>
+              <a:ext uri="{FF2B5EF4-FFF2-40B4-BE49-F238E27FC236}">
+                <a16:creationId xmlns:a16="http://schemas.microsoft.com/office/drawing/2014/main" id="{6C4D3818-A061-417D-AA29-C949219D3F65}"/>
+              </a:ext>
+            </a:extLst>
+          </p:cNvPr>
+          <p:cNvSpPr>
+            <a:spLocks noGrp="1"/>
+          </p:cNvSpPr>
+          <p:nvPr>
+            <p:ph type="dt" sz="half" idx="2"/>
+          </p:nvPr>
+        </p:nvSpPr>
+        <p:spPr>
+          <a:xfrm>
+            <a:off x="864000" y="6492816"/>
+            <a:ext cx="2844800" cy="111954"/>
+          </a:xfrm>
+        </p:spPr>
+        <p:txBody>
+          <a:bodyPr anchor="ctr">
+            <a:normAutofit/>
+          </a:bodyPr>
+          <a:lstStyle/>
+          <a:p>
+            <a:pPr>
+              <a:spcAft>
+                <a:spcPts val="600"/>
+              </a:spcAft>
+            </a:pPr>
+            <a:fld id="{0EFF8CB1-A472-480D-BCA1-90B3EE077451}" type="datetime1">
+              <a:rPr lang="de-DE" smtClean="0"/>
+              <a:pPr>
+                <a:spcAft>
+                  <a:spcPts val="600"/>
+                </a:spcAft>
+              </a:pPr>
+              <a:t>23.06.2020</a:t>
+            </a:fld>
+            <a:endParaRPr lang="de-DE"/>
+          </a:p>
+        </p:txBody>
+      </p:sp>
+      <p:sp>
+        <p:nvSpPr>
+          <p:cNvPr id="5" name="Foliennummernplatzhalter 4">
+            <a:extLst>
+              <a:ext uri="{FF2B5EF4-FFF2-40B4-BE49-F238E27FC236}">
+                <a16:creationId xmlns:a16="http://schemas.microsoft.com/office/drawing/2014/main" id="{ACBC4FF5-8C5A-404D-8820-DC35C235F588}"/>
+              </a:ext>
+            </a:extLst>
+          </p:cNvPr>
+          <p:cNvSpPr>
+            <a:spLocks noGrp="1"/>
+          </p:cNvSpPr>
+          <p:nvPr>
+            <p:ph type="sldNum" sz="quarter" idx="4"/>
+          </p:nvPr>
+        </p:nvSpPr>
+        <p:spPr>
+          <a:xfrm>
+            <a:off x="8531200" y="6493481"/>
+            <a:ext cx="2844800" cy="111290"/>
+          </a:xfrm>
+        </p:spPr>
+        <p:txBody>
+          <a:bodyPr anchor="ctr">
+            <a:normAutofit/>
+          </a:bodyPr>
+          <a:lstStyle/>
+          <a:p>
+            <a:pPr>
+              <a:spcAft>
+                <a:spcPts val="600"/>
+              </a:spcAft>
+            </a:pPr>
+            <a:fld id="{E7BE1CCD-89A0-CC45-BF3E-2A331A7F0490}" type="slidenum">
+              <a:rPr lang="de-DE" smtClean="0"/>
+              <a:pPr>
+                <a:spcAft>
+                  <a:spcPts val="600"/>
+                </a:spcAft>
+              </a:pPr>
+              <a:t>7</a:t>
+            </a:fld>
+            <a:endParaRPr lang="de-DE"/>
+          </a:p>
+        </p:txBody>
+      </p:sp>
+      <p:sp>
+        <p:nvSpPr>
+          <p:cNvPr id="27" name="Footer Placeholder 5">
+            <a:extLst>
+              <a:ext uri="{FF2B5EF4-FFF2-40B4-BE49-F238E27FC236}">
+                <a16:creationId xmlns:a16="http://schemas.microsoft.com/office/drawing/2014/main" id="{3C520531-C0A8-430C-8E91-F5972DCEA793}"/>
+              </a:ext>
+            </a:extLst>
+          </p:cNvPr>
+          <p:cNvSpPr>
+            <a:spLocks noGrp="1"/>
+          </p:cNvSpPr>
+          <p:nvPr>
+            <p:ph type="ftr" sz="quarter" idx="3"/>
+          </p:nvPr>
+        </p:nvSpPr>
+        <p:spPr>
+          <a:xfrm>
+            <a:off x="4038600" y="6493481"/>
+            <a:ext cx="4114800" cy="111290"/>
+          </a:xfrm>
+        </p:spPr>
+        <p:txBody>
+          <a:bodyPr/>
+          <a:lstStyle/>
+          <a:p>
+            <a:endParaRPr lang="de-DE"/>
+          </a:p>
+        </p:txBody>
+      </p:sp>
+    </p:spTree>
+    <p:extLst>
+      <p:ext uri="{BB962C8B-B14F-4D97-AF65-F5344CB8AC3E}">
+        <p14:creationId xmlns:p14="http://schemas.microsoft.com/office/powerpoint/2010/main" val="4136053778"/>
+      </p:ext>
+    </p:extLst>
+  </p:cSld>
+  <p:clrMapOvr>
+    <a:masterClrMapping/>
+  </p:clrMapOvr>
+</p:sld>
+</file>
+
+<file path=ppt/slides/slide8.xml><?xml version="1.0" encoding="utf-8"?>
+<p:sld xmlns:a="http://schemas.openxmlformats.org/drawingml/2006/main" xmlns:r="http://schemas.openxmlformats.org/officeDocument/2006/relationships" xmlns:p="http://schemas.openxmlformats.org/presentationml/2006/main">
+  <p:cSld>
+    <p:spTree>
+      <p:nvGrpSpPr>
+        <p:cNvPr id="1" name=""/>
+        <p:cNvGrpSpPr/>
+        <p:nvPr/>
+      </p:nvGrpSpPr>
+      <p:grpSpPr>
+        <a:xfrm>
+          <a:off x="0" y="0"/>
+          <a:ext cx="0" cy="0"/>
+          <a:chOff x="0" y="0"/>
+          <a:chExt cx="0" cy="0"/>
+        </a:xfrm>
+      </p:grpSpPr>
+      <p:pic>
+        <p:nvPicPr>
+          <p:cNvPr id="8" name="Picture 7">
+            <a:extLst>
+              <a:ext uri="{FF2B5EF4-FFF2-40B4-BE49-F238E27FC236}">
+                <a16:creationId xmlns:a16="http://schemas.microsoft.com/office/drawing/2014/main" id="{2C5D8A7F-3BC9-4C51-BD6F-A1031F7EAB0D}"/>
+              </a:ext>
+            </a:extLst>
+          </p:cNvPr>
+          <p:cNvPicPr>
+            <a:picLocks noChangeAspect="1"/>
+          </p:cNvPicPr>
+          <p:nvPr/>
+        </p:nvPicPr>
+        <p:blipFill>
+          <a:blip r:embed="rId2"/>
+          <a:stretch>
+            <a:fillRect/>
+          </a:stretch>
+        </p:blipFill>
+        <p:spPr>
+          <a:xfrm>
+            <a:off x="2407642" y="1601858"/>
+            <a:ext cx="7138596" cy="4510493"/>
+          </a:xfrm>
+          <a:prstGeom prst="rect">
+            <a:avLst/>
+          </a:prstGeom>
+        </p:spPr>
+      </p:pic>
+      <p:sp>
+        <p:nvSpPr>
+          <p:cNvPr id="26" name="Title 1">
+            <a:extLst>
+              <a:ext uri="{FF2B5EF4-FFF2-40B4-BE49-F238E27FC236}">
+                <a16:creationId xmlns:a16="http://schemas.microsoft.com/office/drawing/2014/main" id="{3C73147A-22D0-446E-A4E6-870CE3FB67B0}"/>
+              </a:ext>
+            </a:extLst>
+          </p:cNvPr>
+          <p:cNvSpPr>
+            <a:spLocks noGrp="1"/>
+          </p:cNvSpPr>
+          <p:nvPr>
+            <p:ph type="title"/>
+          </p:nvPr>
+        </p:nvSpPr>
+        <p:spPr>
+          <a:xfrm>
+            <a:off x="864000" y="745650"/>
+            <a:ext cx="10233909" cy="1143000"/>
+          </a:xfrm>
+        </p:spPr>
+        <p:txBody>
+          <a:bodyPr/>
+          <a:lstStyle/>
+          <a:p>
+            <a:r>
+              <a:rPr lang="de-DE"/>
+              <a:t>Spielfeld</a:t>
+            </a:r>
+          </a:p>
+        </p:txBody>
+      </p:sp>
+      <p:sp>
+        <p:nvSpPr>
+          <p:cNvPr id="4" name="Datumsplatzhalter 3">
+            <a:extLst>
+              <a:ext uri="{FF2B5EF4-FFF2-40B4-BE49-F238E27FC236}">
+                <a16:creationId xmlns:a16="http://schemas.microsoft.com/office/drawing/2014/main" id="{6C4D3818-A061-417D-AA29-C949219D3F65}"/>
+              </a:ext>
+            </a:extLst>
+          </p:cNvPr>
+          <p:cNvSpPr>
+            <a:spLocks noGrp="1"/>
+          </p:cNvSpPr>
+          <p:nvPr>
+            <p:ph type="dt" sz="half" idx="2"/>
+          </p:nvPr>
+        </p:nvSpPr>
+        <p:spPr>
+          <a:xfrm>
+            <a:off x="864000" y="6492816"/>
+            <a:ext cx="2844800" cy="111954"/>
+          </a:xfrm>
+        </p:spPr>
+        <p:txBody>
+          <a:bodyPr anchor="ctr">
+            <a:normAutofit/>
+          </a:bodyPr>
+          <a:lstStyle/>
+          <a:p>
+            <a:pPr>
+              <a:spcAft>
+                <a:spcPts val="600"/>
+              </a:spcAft>
+            </a:pPr>
+            <a:fld id="{0EFF8CB1-A472-480D-BCA1-90B3EE077451}" type="datetime1">
+              <a:rPr lang="de-DE" smtClean="0"/>
+              <a:pPr>
+                <a:spcAft>
+                  <a:spcPts val="600"/>
+                </a:spcAft>
+              </a:pPr>
+              <a:t>23.06.2020</a:t>
+            </a:fld>
+            <a:endParaRPr lang="de-DE"/>
+          </a:p>
+        </p:txBody>
+      </p:sp>
+      <p:sp>
+        <p:nvSpPr>
+          <p:cNvPr id="5" name="Foliennummernplatzhalter 4">
+            <a:extLst>
+              <a:ext uri="{FF2B5EF4-FFF2-40B4-BE49-F238E27FC236}">
+                <a16:creationId xmlns:a16="http://schemas.microsoft.com/office/drawing/2014/main" id="{ACBC4FF5-8C5A-404D-8820-DC35C235F588}"/>
+              </a:ext>
+            </a:extLst>
+          </p:cNvPr>
+          <p:cNvSpPr>
+            <a:spLocks noGrp="1"/>
+          </p:cNvSpPr>
+          <p:nvPr>
+            <p:ph type="sldNum" sz="quarter" idx="4"/>
+          </p:nvPr>
+        </p:nvSpPr>
+        <p:spPr>
+          <a:xfrm>
+            <a:off x="8531200" y="6493481"/>
+            <a:ext cx="2844800" cy="111290"/>
+          </a:xfrm>
+        </p:spPr>
+        <p:txBody>
+          <a:bodyPr anchor="ctr">
+            <a:normAutofit/>
+          </a:bodyPr>
+          <a:lstStyle/>
+          <a:p>
+            <a:pPr>
+              <a:spcAft>
+                <a:spcPts val="600"/>
+              </a:spcAft>
+            </a:pPr>
+            <a:fld id="{E7BE1CCD-89A0-CC45-BF3E-2A331A7F0490}" type="slidenum">
+              <a:rPr lang="de-DE" smtClean="0"/>
+              <a:pPr>
+                <a:spcAft>
+                  <a:spcPts val="600"/>
+                </a:spcAft>
+              </a:pPr>
+              <a:t>8</a:t>
+            </a:fld>
+            <a:endParaRPr lang="de-DE"/>
+          </a:p>
+        </p:txBody>
+      </p:sp>
+      <p:sp>
+        <p:nvSpPr>
+          <p:cNvPr id="27" name="Footer Placeholder 5">
+            <a:extLst>
+              <a:ext uri="{FF2B5EF4-FFF2-40B4-BE49-F238E27FC236}">
+                <a16:creationId xmlns:a16="http://schemas.microsoft.com/office/drawing/2014/main" id="{3C520531-C0A8-430C-8E91-F5972DCEA793}"/>
+              </a:ext>
+            </a:extLst>
+          </p:cNvPr>
+          <p:cNvSpPr>
+            <a:spLocks noGrp="1"/>
+          </p:cNvSpPr>
+          <p:nvPr>
+            <p:ph type="ftr" sz="quarter" idx="3"/>
+          </p:nvPr>
+        </p:nvSpPr>
+        <p:spPr>
+          <a:xfrm>
+            <a:off x="4038600" y="6493481"/>
+            <a:ext cx="4114800" cy="111290"/>
+          </a:xfrm>
+        </p:spPr>
+        <p:txBody>
+          <a:bodyPr/>
+          <a:lstStyle/>
+          <a:p>
+            <a:endParaRPr lang="de-DE"/>
+          </a:p>
+        </p:txBody>
+      </p:sp>
+      <p:sp>
+        <p:nvSpPr>
+          <p:cNvPr id="2" name="Rechteck 1">
+            <a:extLst>
+              <a:ext uri="{FF2B5EF4-FFF2-40B4-BE49-F238E27FC236}">
+                <a16:creationId xmlns:a16="http://schemas.microsoft.com/office/drawing/2014/main" id="{8ADAA0A9-3C4E-40C3-BD95-9145D17F6D3E}"/>
+              </a:ext>
+            </a:extLst>
+          </p:cNvPr>
+          <p:cNvSpPr/>
+          <p:nvPr/>
+        </p:nvSpPr>
+        <p:spPr>
+          <a:xfrm>
+            <a:off x="3009530" y="2377072"/>
+            <a:ext cx="2592279" cy="2592279"/>
+          </a:xfrm>
+          <a:prstGeom prst="rect">
+            <a:avLst/>
+          </a:prstGeom>
+          <a:noFill/>
+          <a:ln w="57150"/>
+        </p:spPr>
+        <p:style>
+          <a:lnRef idx="2">
+            <a:schemeClr val="accent2"/>
+          </a:lnRef>
+          <a:fillRef idx="1">
+            <a:schemeClr val="lt1"/>
+          </a:fillRef>
+          <a:effectRef idx="0">
+            <a:schemeClr val="accent2"/>
+          </a:effectRef>
+          <a:fontRef idx="minor">
+            <a:schemeClr val="dk1"/>
+          </a:fontRef>
+        </p:style>
+        <p:txBody>
+          <a:bodyPr rtlCol="0" anchor="ctr"/>
+          <a:lstStyle/>
+          <a:p>
+            <a:pPr algn="ctr"/>
+            <a:endParaRPr lang="de-DE"/>
+          </a:p>
+        </p:txBody>
+      </p:sp>
+      <p:sp>
+        <p:nvSpPr>
+          <p:cNvPr id="20" name="Rechteck 19">
+            <a:extLst>
+              <a:ext uri="{FF2B5EF4-FFF2-40B4-BE49-F238E27FC236}">
+                <a16:creationId xmlns:a16="http://schemas.microsoft.com/office/drawing/2014/main" id="{6E5DA5B4-1B05-4FE1-8A58-1C87D8434827}"/>
+              </a:ext>
+            </a:extLst>
+          </p:cNvPr>
+          <p:cNvSpPr/>
+          <p:nvPr/>
+        </p:nvSpPr>
+        <p:spPr>
+          <a:xfrm>
+            <a:off x="6277884" y="2414165"/>
+            <a:ext cx="2592279" cy="2592279"/>
+          </a:xfrm>
+          <a:prstGeom prst="rect">
+            <a:avLst/>
+          </a:prstGeom>
+          <a:noFill/>
+          <a:ln w="57150"/>
+        </p:spPr>
+        <p:style>
+          <a:lnRef idx="2">
+            <a:schemeClr val="accent2"/>
+          </a:lnRef>
+          <a:fillRef idx="1">
+            <a:schemeClr val="lt1"/>
+          </a:fillRef>
+          <a:effectRef idx="0">
+            <a:schemeClr val="accent2"/>
+          </a:effectRef>
+          <a:fontRef idx="minor">
+            <a:schemeClr val="dk1"/>
+          </a:fontRef>
+        </p:style>
+        <p:txBody>
+          <a:bodyPr rtlCol="0" anchor="ctr"/>
+          <a:lstStyle/>
+          <a:p>
+            <a:pPr algn="ctr"/>
+            <a:endParaRPr lang="de-DE"/>
+          </a:p>
+        </p:txBody>
+      </p:sp>
+      <p:sp>
+        <p:nvSpPr>
+          <p:cNvPr id="21" name="Rechteck 20">
+            <a:extLst>
+              <a:ext uri="{FF2B5EF4-FFF2-40B4-BE49-F238E27FC236}">
+                <a16:creationId xmlns:a16="http://schemas.microsoft.com/office/drawing/2014/main" id="{0B73FB20-CB5B-496B-9BE7-77C1BB16BD74}"/>
+              </a:ext>
+            </a:extLst>
+          </p:cNvPr>
+          <p:cNvSpPr/>
+          <p:nvPr/>
+        </p:nvSpPr>
+        <p:spPr>
+          <a:xfrm>
+            <a:off x="2913784" y="2269115"/>
+            <a:ext cx="6114806" cy="3199530"/>
+          </a:xfrm>
+          <a:prstGeom prst="rect">
+            <a:avLst/>
+          </a:prstGeom>
+          <a:noFill/>
+          <a:ln w="57150">
+            <a:solidFill>
+              <a:srgbClr val="0070C0"/>
+            </a:solidFill>
+          </a:ln>
+        </p:spPr>
+        <p:style>
+          <a:lnRef idx="2">
+            <a:schemeClr val="accent2"/>
+          </a:lnRef>
+          <a:fillRef idx="1">
+            <a:schemeClr val="lt1"/>
+          </a:fillRef>
+          <a:effectRef idx="0">
+            <a:schemeClr val="accent2"/>
+          </a:effectRef>
+          <a:fontRef idx="minor">
+            <a:schemeClr val="dk1"/>
+          </a:fontRef>
+        </p:style>
+        <p:txBody>
+          <a:bodyPr rtlCol="0" anchor="ctr"/>
+          <a:lstStyle/>
+          <a:p>
+            <a:pPr algn="ctr"/>
+            <a:endParaRPr lang="de-DE"/>
+          </a:p>
+        </p:txBody>
+      </p:sp>
+      <p:sp>
+        <p:nvSpPr>
+          <p:cNvPr id="3" name="Textfeld 2">
+            <a:extLst>
+              <a:ext uri="{FF2B5EF4-FFF2-40B4-BE49-F238E27FC236}">
+                <a16:creationId xmlns:a16="http://schemas.microsoft.com/office/drawing/2014/main" id="{D45435B2-F773-4FFF-A78C-9BF9B197DB8A}"/>
+              </a:ext>
+            </a:extLst>
+          </p:cNvPr>
+          <p:cNvSpPr txBox="1"/>
+          <p:nvPr/>
+        </p:nvSpPr>
+        <p:spPr>
+          <a:xfrm>
+            <a:off x="680914" y="3073046"/>
+            <a:ext cx="1605486" cy="1200329"/>
+          </a:xfrm>
+          <a:prstGeom prst="rect">
+            <a:avLst/>
+          </a:prstGeom>
+          <a:noFill/>
+        </p:spPr>
+        <p:txBody>
+          <a:bodyPr wrap="square" rtlCol="0">
+            <a:spAutoFit/>
+          </a:bodyPr>
+          <a:lstStyle/>
+          <a:p>
+            <a:r>
+              <a:rPr lang="de-DE" b="1" err="1">
+                <a:solidFill>
+                  <a:srgbClr val="0070C0"/>
+                </a:solidFill>
+              </a:rPr>
+              <a:t>GridBagLayout</a:t>
+            </a:r>
+            <a:endParaRPr lang="de-DE" b="1">
+              <a:solidFill>
+                <a:srgbClr val="0070C0"/>
+              </a:solidFill>
+            </a:endParaRPr>
+          </a:p>
+          <a:p>
+            <a:endParaRPr lang="de-DE" b="1">
+              <a:solidFill>
+                <a:srgbClr val="0070C0"/>
+              </a:solidFill>
+            </a:endParaRPr>
+          </a:p>
+          <a:p>
+            <a:r>
+              <a:rPr lang="de-DE" b="1" err="1">
+                <a:solidFill>
+                  <a:srgbClr val="C0504D"/>
+                </a:solidFill>
+              </a:rPr>
+              <a:t>GridLayout</a:t>
+            </a:r>
+            <a:br>
+              <a:rPr lang="de-DE" b="1">
+                <a:solidFill>
+                  <a:srgbClr val="C0504D"/>
+                </a:solidFill>
+              </a:rPr>
+            </a:br>
+            <a:r>
+              <a:rPr lang="de-DE" b="1">
+                <a:solidFill>
+                  <a:srgbClr val="C0504D"/>
+                </a:solidFill>
+              </a:rPr>
+              <a:t>11x11</a:t>
+            </a:r>
+          </a:p>
+        </p:txBody>
+      </p:sp>
+    </p:spTree>
+    <p:extLst>
+      <p:ext uri="{BB962C8B-B14F-4D97-AF65-F5344CB8AC3E}">
+        <p14:creationId xmlns:p14="http://schemas.microsoft.com/office/powerpoint/2010/main" val="1391906935"/>
+      </p:ext>
+    </p:extLst>
+  </p:cSld>
+  <p:clrMapOvr>
+    <a:masterClrMapping/>
+  </p:clrMapOvr>
+</p:sld>
+</file>
+
+<file path=ppt/slides/slide9.xml><?xml version="1.0" encoding="utf-8"?>
+<p:sld xmlns:a="http://schemas.openxmlformats.org/drawingml/2006/main" xmlns:r="http://schemas.openxmlformats.org/officeDocument/2006/relationships" xmlns:p="http://schemas.openxmlformats.org/presentationml/2006/main">
+  <p:cSld>
+    <p:spTree>
+      <p:nvGrpSpPr>
+        <p:cNvPr id="1" name=""/>
+        <p:cNvGrpSpPr/>
+        <p:nvPr/>
+      </p:nvGrpSpPr>
+      <p:grpSpPr>
+        <a:xfrm>
+          <a:off x="0" y="0"/>
+          <a:ext cx="0" cy="0"/>
+          <a:chOff x="0" y="0"/>
+          <a:chExt cx="0" cy="0"/>
+        </a:xfrm>
+      </p:grpSpPr>
+      <p:pic>
+        <p:nvPicPr>
+          <p:cNvPr id="8" name="Picture 7">
+            <a:extLst>
+              <a:ext uri="{FF2B5EF4-FFF2-40B4-BE49-F238E27FC236}">
+                <a16:creationId xmlns:a16="http://schemas.microsoft.com/office/drawing/2014/main" id="{2C5D8A7F-3BC9-4C51-BD6F-A1031F7EAB0D}"/>
+              </a:ext>
+            </a:extLst>
+          </p:cNvPr>
+          <p:cNvPicPr>
+            <a:picLocks noChangeAspect="1"/>
+          </p:cNvPicPr>
+          <p:nvPr/>
+        </p:nvPicPr>
+        <p:blipFill>
+          <a:blip r:embed="rId3"/>
+          <a:stretch>
+            <a:fillRect/>
+          </a:stretch>
+        </p:blipFill>
+        <p:spPr>
+          <a:xfrm>
+            <a:off x="2407642" y="1601858"/>
+            <a:ext cx="7138596" cy="4510493"/>
+          </a:xfrm>
+          <a:prstGeom prst="rect">
+            <a:avLst/>
+          </a:prstGeom>
+        </p:spPr>
+      </p:pic>
+      <p:sp>
+        <p:nvSpPr>
+          <p:cNvPr id="26" name="Title 1">
+            <a:extLst>
+              <a:ext uri="{FF2B5EF4-FFF2-40B4-BE49-F238E27FC236}">
+                <a16:creationId xmlns:a16="http://schemas.microsoft.com/office/drawing/2014/main" id="{3C73147A-22D0-446E-A4E6-870CE3FB67B0}"/>
+              </a:ext>
+            </a:extLst>
+          </p:cNvPr>
+          <p:cNvSpPr>
+            <a:spLocks noGrp="1"/>
+          </p:cNvSpPr>
+          <p:nvPr>
+            <p:ph type="title"/>
+          </p:nvPr>
+        </p:nvSpPr>
+        <p:spPr>
+          <a:xfrm>
+            <a:off x="864000" y="745650"/>
+            <a:ext cx="10233909" cy="1143000"/>
+          </a:xfrm>
+        </p:spPr>
+        <p:txBody>
+          <a:bodyPr/>
+          <a:lstStyle/>
+          <a:p>
+            <a:r>
+              <a:rPr lang="de-DE"/>
+              <a:t>Spielfeld</a:t>
+            </a:r>
+          </a:p>
+        </p:txBody>
+      </p:sp>
+      <p:sp>
+        <p:nvSpPr>
+          <p:cNvPr id="4" name="Datumsplatzhalter 3">
+            <a:extLst>
+              <a:ext uri="{FF2B5EF4-FFF2-40B4-BE49-F238E27FC236}">
+                <a16:creationId xmlns:a16="http://schemas.microsoft.com/office/drawing/2014/main" id="{6C4D3818-A061-417D-AA29-C949219D3F65}"/>
+              </a:ext>
+            </a:extLst>
+          </p:cNvPr>
+          <p:cNvSpPr>
+            <a:spLocks noGrp="1"/>
+          </p:cNvSpPr>
+          <p:nvPr>
+            <p:ph type="dt" sz="half" idx="2"/>
+          </p:nvPr>
+        </p:nvSpPr>
+        <p:spPr>
+          <a:xfrm>
+            <a:off x="864000" y="6492816"/>
+            <a:ext cx="2844800" cy="111954"/>
+          </a:xfrm>
+        </p:spPr>
+        <p:txBody>
+          <a:bodyPr anchor="ctr">
+            <a:normAutofit/>
+          </a:bodyPr>
+          <a:lstStyle/>
+          <a:p>
+            <a:pPr>
+              <a:spcAft>
+                <a:spcPts val="600"/>
+              </a:spcAft>
+            </a:pPr>
+            <a:fld id="{0EFF8CB1-A472-480D-BCA1-90B3EE077451}" type="datetime1">
+              <a:rPr lang="de-DE" smtClean="0"/>
+              <a:pPr>
+                <a:spcAft>
+                  <a:spcPts val="600"/>
+                </a:spcAft>
+              </a:pPr>
+              <a:t>23.06.2020</a:t>
+            </a:fld>
+            <a:endParaRPr lang="de-DE"/>
+          </a:p>
+        </p:txBody>
+      </p:sp>
+      <p:sp>
+        <p:nvSpPr>
+          <p:cNvPr id="5" name="Foliennummernplatzhalter 4">
+            <a:extLst>
+              <a:ext uri="{FF2B5EF4-FFF2-40B4-BE49-F238E27FC236}">
+                <a16:creationId xmlns:a16="http://schemas.microsoft.com/office/drawing/2014/main" id="{ACBC4FF5-8C5A-404D-8820-DC35C235F588}"/>
+              </a:ext>
+            </a:extLst>
+          </p:cNvPr>
+          <p:cNvSpPr>
+            <a:spLocks noGrp="1"/>
+          </p:cNvSpPr>
+          <p:nvPr>
+            <p:ph type="sldNum" sz="quarter" idx="4"/>
+          </p:nvPr>
+        </p:nvSpPr>
+        <p:spPr>
+          <a:xfrm>
+            <a:off x="8531200" y="6493481"/>
+            <a:ext cx="2844800" cy="111290"/>
+          </a:xfrm>
+        </p:spPr>
+        <p:txBody>
+          <a:bodyPr anchor="ctr">
+            <a:normAutofit/>
+          </a:bodyPr>
+          <a:lstStyle/>
+          <a:p>
+            <a:pPr>
+              <a:spcAft>
+                <a:spcPts val="600"/>
+              </a:spcAft>
+            </a:pPr>
+            <a:fld id="{E7BE1CCD-89A0-CC45-BF3E-2A331A7F0490}" type="slidenum">
+              <a:rPr lang="de-DE" smtClean="0"/>
+              <a:pPr>
+                <a:spcAft>
+                  <a:spcPts val="600"/>
+                </a:spcAft>
+              </a:pPr>
+              <a:t>9</a:t>
+            </a:fld>
+            <a:endParaRPr lang="de-DE"/>
+          </a:p>
+        </p:txBody>
+      </p:sp>
+      <p:sp>
+        <p:nvSpPr>
+          <p:cNvPr id="27" name="Footer Placeholder 5">
+            <a:extLst>
+              <a:ext uri="{FF2B5EF4-FFF2-40B4-BE49-F238E27FC236}">
+                <a16:creationId xmlns:a16="http://schemas.microsoft.com/office/drawing/2014/main" id="{3C520531-C0A8-430C-8E91-F5972DCEA793}"/>
+              </a:ext>
+            </a:extLst>
+          </p:cNvPr>
+          <p:cNvSpPr>
+            <a:spLocks noGrp="1"/>
+          </p:cNvSpPr>
+          <p:nvPr>
+            <p:ph type="ftr" sz="quarter" idx="3"/>
+          </p:nvPr>
+        </p:nvSpPr>
+        <p:spPr>
+          <a:xfrm>
+            <a:off x="4038600" y="6493481"/>
+            <a:ext cx="4114800" cy="111290"/>
+          </a:xfrm>
+        </p:spPr>
+        <p:txBody>
+          <a:bodyPr/>
+          <a:lstStyle/>
+          <a:p>
+            <a:endParaRPr lang="de-DE"/>
+          </a:p>
+        </p:txBody>
+      </p:sp>
+      <p:cxnSp>
+        <p:nvCxnSpPr>
+          <p:cNvPr id="25" name="Gerade Verbindung mit Pfeil 24">
+            <a:extLst>
+              <a:ext uri="{FF2B5EF4-FFF2-40B4-BE49-F238E27FC236}">
+                <a16:creationId xmlns:a16="http://schemas.microsoft.com/office/drawing/2014/main" id="{43624CDE-6DD1-4377-B0BA-D4DC7F294110}"/>
+              </a:ext>
+            </a:extLst>
+          </p:cNvPr>
+          <p:cNvCxnSpPr>
+            <a:cxnSpLocks/>
+          </p:cNvCxnSpPr>
+          <p:nvPr/>
+        </p:nvCxnSpPr>
+        <p:spPr>
+          <a:xfrm>
+            <a:off x="1912690" y="2780216"/>
+            <a:ext cx="1456623" cy="0"/>
+          </a:xfrm>
+          <a:prstGeom prst="straightConnector1">
+            <a:avLst/>
+          </a:prstGeom>
+          <a:ln>
+            <a:tailEnd type="triangle"/>
+          </a:ln>
+        </p:spPr>
+        <p:style>
+          <a:lnRef idx="3">
+            <a:schemeClr val="accent2"/>
+          </a:lnRef>
+          <a:fillRef idx="0">
+            <a:schemeClr val="accent2"/>
+          </a:fillRef>
+          <a:effectRef idx="2">
+            <a:schemeClr val="accent2"/>
+          </a:effectRef>
+          <a:fontRef idx="minor">
+            <a:schemeClr val="tx1"/>
+          </a:fontRef>
+        </p:style>
+      </p:cxnSp>
+      <p:cxnSp>
+        <p:nvCxnSpPr>
+          <p:cNvPr id="33" name="Gerade Verbindung mit Pfeil 32">
+            <a:extLst>
+              <a:ext uri="{FF2B5EF4-FFF2-40B4-BE49-F238E27FC236}">
+                <a16:creationId xmlns:a16="http://schemas.microsoft.com/office/drawing/2014/main" id="{76FE3E7B-6C93-47DD-B934-296A75327CCF}"/>
+              </a:ext>
+            </a:extLst>
+          </p:cNvPr>
+          <p:cNvCxnSpPr>
+            <a:cxnSpLocks/>
+          </p:cNvCxnSpPr>
+          <p:nvPr/>
+        </p:nvCxnSpPr>
+        <p:spPr>
+          <a:xfrm>
+            <a:off x="8279934" y="1476462"/>
+            <a:ext cx="0" cy="1887523"/>
+          </a:xfrm>
+          <a:prstGeom prst="straightConnector1">
+            <a:avLst/>
+          </a:prstGeom>
+          <a:ln>
+            <a:tailEnd type="triangle"/>
+          </a:ln>
+        </p:spPr>
+        <p:style>
+          <a:lnRef idx="3">
+            <a:schemeClr val="accent2"/>
+          </a:lnRef>
+          <a:fillRef idx="0">
+            <a:schemeClr val="accent2"/>
+          </a:fillRef>
+          <a:effectRef idx="2">
+            <a:schemeClr val="accent2"/>
+          </a:effectRef>
+          <a:fontRef idx="minor">
+            <a:schemeClr val="tx1"/>
+          </a:fontRef>
+        </p:style>
+      </p:cxnSp>
+      <p:cxnSp>
+        <p:nvCxnSpPr>
+          <p:cNvPr id="36" name="Gerade Verbindung mit Pfeil 35">
+            <a:extLst>
+              <a:ext uri="{FF2B5EF4-FFF2-40B4-BE49-F238E27FC236}">
+                <a16:creationId xmlns:a16="http://schemas.microsoft.com/office/drawing/2014/main" id="{671F3DAD-E511-4868-90BE-98322A86D0B9}"/>
+              </a:ext>
+            </a:extLst>
+          </p:cNvPr>
+          <p:cNvCxnSpPr>
+            <a:cxnSpLocks/>
+          </p:cNvCxnSpPr>
+          <p:nvPr/>
+        </p:nvCxnSpPr>
+        <p:spPr>
+          <a:xfrm flipH="1">
+            <a:off x="8405769" y="4060272"/>
+            <a:ext cx="1686187" cy="545284"/>
+          </a:xfrm>
+          <a:prstGeom prst="straightConnector1">
+            <a:avLst/>
+          </a:prstGeom>
+          <a:ln>
+            <a:tailEnd type="triangle"/>
+          </a:ln>
+        </p:spPr>
+        <p:style>
+          <a:lnRef idx="3">
+            <a:schemeClr val="accent2"/>
+          </a:lnRef>
+          <a:fillRef idx="0">
+            <a:schemeClr val="accent2"/>
+          </a:fillRef>
+          <a:effectRef idx="2">
+            <a:schemeClr val="accent2"/>
+          </a:effectRef>
+          <a:fontRef idx="minor">
+            <a:schemeClr val="tx1"/>
+          </a:fontRef>
+        </p:style>
+      </p:cxnSp>
+      <p:cxnSp>
+        <p:nvCxnSpPr>
+          <p:cNvPr id="39" name="Gerade Verbindung mit Pfeil 38">
+            <a:extLst>
+              <a:ext uri="{FF2B5EF4-FFF2-40B4-BE49-F238E27FC236}">
+                <a16:creationId xmlns:a16="http://schemas.microsoft.com/office/drawing/2014/main" id="{EDA1D962-AC4A-4F6C-9F2D-4418F9181D03}"/>
+              </a:ext>
+            </a:extLst>
+          </p:cNvPr>
+          <p:cNvCxnSpPr>
+            <a:cxnSpLocks/>
+          </p:cNvCxnSpPr>
+          <p:nvPr/>
+        </p:nvCxnSpPr>
+        <p:spPr>
+          <a:xfrm flipH="1">
+            <a:off x="7684316" y="2908495"/>
+            <a:ext cx="2770366" cy="46236"/>
+          </a:xfrm>
+          <a:prstGeom prst="straightConnector1">
+            <a:avLst/>
+          </a:prstGeom>
+          <a:ln>
+            <a:tailEnd type="triangle"/>
+          </a:ln>
+        </p:spPr>
+        <p:style>
+          <a:lnRef idx="3">
+            <a:schemeClr val="accent2"/>
+          </a:lnRef>
+          <a:fillRef idx="0">
+            <a:schemeClr val="accent2"/>
+          </a:fillRef>
+          <a:effectRef idx="2">
+            <a:schemeClr val="accent2"/>
+          </a:effectRef>
+          <a:fontRef idx="minor">
+            <a:schemeClr val="tx1"/>
+          </a:fontRef>
+        </p:style>
+      </p:cxnSp>
+      <p:cxnSp>
+        <p:nvCxnSpPr>
+          <p:cNvPr id="43" name="Gerade Verbindung mit Pfeil 42">
+            <a:extLst>
+              <a:ext uri="{FF2B5EF4-FFF2-40B4-BE49-F238E27FC236}">
+                <a16:creationId xmlns:a16="http://schemas.microsoft.com/office/drawing/2014/main" id="{49E6C792-E594-402B-9927-3C153E49BC81}"/>
+              </a:ext>
+            </a:extLst>
+          </p:cNvPr>
+          <p:cNvCxnSpPr>
+            <a:cxnSpLocks/>
+          </p:cNvCxnSpPr>
+          <p:nvPr/>
+        </p:nvCxnSpPr>
+        <p:spPr>
+          <a:xfrm>
+            <a:off x="5117284" y="1156074"/>
+            <a:ext cx="0" cy="2107243"/>
+          </a:xfrm>
+          <a:prstGeom prst="straightConnector1">
+            <a:avLst/>
+          </a:prstGeom>
+          <a:ln>
+            <a:tailEnd type="triangle"/>
+          </a:ln>
+        </p:spPr>
+        <p:style>
+          <a:lnRef idx="3">
+            <a:schemeClr val="accent2"/>
+          </a:lnRef>
+          <a:fillRef idx="0">
+            <a:schemeClr val="accent2"/>
+          </a:fillRef>
+          <a:effectRef idx="2">
+            <a:schemeClr val="accent2"/>
+          </a:effectRef>
+          <a:fontRef idx="minor">
+            <a:schemeClr val="tx1"/>
+          </a:fontRef>
+        </p:style>
+      </p:cxnSp>
+      <p:cxnSp>
+        <p:nvCxnSpPr>
+          <p:cNvPr id="47" name="Gerade Verbindung mit Pfeil 46">
+            <a:extLst>
+              <a:ext uri="{FF2B5EF4-FFF2-40B4-BE49-F238E27FC236}">
+                <a16:creationId xmlns:a16="http://schemas.microsoft.com/office/drawing/2014/main" id="{65DA5790-2FA6-4B49-9DCD-83CFDDC27A19}"/>
+              </a:ext>
+            </a:extLst>
+          </p:cNvPr>
+          <p:cNvCxnSpPr>
+            <a:cxnSpLocks/>
+          </p:cNvCxnSpPr>
+          <p:nvPr/>
+        </p:nvCxnSpPr>
+        <p:spPr>
+          <a:xfrm flipV="1">
+            <a:off x="2055303" y="5368954"/>
+            <a:ext cx="2885813" cy="232295"/>
+          </a:xfrm>
+          <a:prstGeom prst="straightConnector1">
+            <a:avLst/>
+          </a:prstGeom>
+          <a:ln>
+            <a:tailEnd type="triangle"/>
+          </a:ln>
+        </p:spPr>
+        <p:style>
+          <a:lnRef idx="3">
+            <a:schemeClr val="accent2"/>
+          </a:lnRef>
+          <a:fillRef idx="0">
+            <a:schemeClr val="accent2"/>
+          </a:fillRef>
+          <a:effectRef idx="2">
+            <a:schemeClr val="accent2"/>
+          </a:effectRef>
+          <a:fontRef idx="minor">
+            <a:schemeClr val="tx1"/>
+          </a:fontRef>
+        </p:style>
+      </p:cxnSp>
+      <p:sp>
+        <p:nvSpPr>
+          <p:cNvPr id="59" name="Textfeld 58">
+            <a:extLst>
+              <a:ext uri="{FF2B5EF4-FFF2-40B4-BE49-F238E27FC236}">
+                <a16:creationId xmlns:a16="http://schemas.microsoft.com/office/drawing/2014/main" id="{89ED550A-7644-4E0A-8E42-AA3247E00334}"/>
+              </a:ext>
+            </a:extLst>
+          </p:cNvPr>
+          <p:cNvSpPr txBox="1"/>
+          <p:nvPr/>
+        </p:nvSpPr>
+        <p:spPr>
+          <a:xfrm>
+            <a:off x="4215467" y="822607"/>
+            <a:ext cx="1803633" cy="369332"/>
+          </a:xfrm>
+          <a:prstGeom prst="rect">
+            <a:avLst/>
+          </a:prstGeom>
+        </p:spPr>
+        <p:style>
+          <a:lnRef idx="2">
+            <a:schemeClr val="accent2"/>
+          </a:lnRef>
+          <a:fillRef idx="1">
+            <a:schemeClr val="lt1"/>
+          </a:fillRef>
+          <a:effectRef idx="0">
+            <a:schemeClr val="accent2"/>
+          </a:effectRef>
+          <a:fontRef idx="minor">
+            <a:schemeClr val="dk1"/>
+          </a:fontRef>
+        </p:style>
+        <p:txBody>
+          <a:bodyPr wrap="square" rtlCol="0">
+            <a:spAutoFit/>
+          </a:bodyPr>
+          <a:lstStyle/>
+          <a:p>
+            <a:r>
+              <a:rPr lang="de-DE"/>
+              <a:t>Eigenes Spielfeld</a:t>
+            </a:r>
+          </a:p>
+        </p:txBody>
+      </p:sp>
+      <p:sp>
+        <p:nvSpPr>
+          <p:cNvPr id="61" name="Textfeld 60">
+            <a:extLst>
+              <a:ext uri="{FF2B5EF4-FFF2-40B4-BE49-F238E27FC236}">
+                <a16:creationId xmlns:a16="http://schemas.microsoft.com/office/drawing/2014/main" id="{1BAF0F94-5B2B-4521-9AD9-52955EB658D1}"/>
+              </a:ext>
+            </a:extLst>
+          </p:cNvPr>
+          <p:cNvSpPr txBox="1"/>
+          <p:nvPr/>
+        </p:nvSpPr>
+        <p:spPr>
+          <a:xfrm>
+            <a:off x="7110372" y="1107130"/>
+            <a:ext cx="2339124" cy="369332"/>
+          </a:xfrm>
+          <a:prstGeom prst="rect">
+            <a:avLst/>
+          </a:prstGeom>
+        </p:spPr>
+        <p:style>
+          <a:lnRef idx="2">
+            <a:schemeClr val="accent2"/>
+          </a:lnRef>
+          <a:fillRef idx="1">
+            <a:schemeClr val="lt1"/>
+          </a:fillRef>
+          <a:effectRef idx="0">
+            <a:schemeClr val="accent2"/>
+          </a:effectRef>
+          <a:fontRef idx="minor">
+            <a:schemeClr val="dk1"/>
+          </a:fontRef>
+        </p:style>
+        <p:txBody>
+          <a:bodyPr wrap="square" rtlCol="0">
+            <a:spAutoFit/>
+          </a:bodyPr>
+          <a:lstStyle/>
+          <a:p>
+            <a:r>
+              <a:rPr lang="de-DE"/>
+              <a:t>Gegnerisches Spielfeld</a:t>
+            </a:r>
+          </a:p>
+        </p:txBody>
+      </p:sp>
+      <p:sp>
+        <p:nvSpPr>
+          <p:cNvPr id="62" name="Textfeld 61">
+            <a:extLst>
+              <a:ext uri="{FF2B5EF4-FFF2-40B4-BE49-F238E27FC236}">
+                <a16:creationId xmlns:a16="http://schemas.microsoft.com/office/drawing/2014/main" id="{FC92DCC4-1E56-4E94-846A-62AF9051660B}"/>
+              </a:ext>
+            </a:extLst>
+          </p:cNvPr>
+          <p:cNvSpPr txBox="1"/>
+          <p:nvPr/>
+        </p:nvSpPr>
+        <p:spPr>
+          <a:xfrm>
+            <a:off x="1246437" y="2565417"/>
+            <a:ext cx="758501" cy="369332"/>
+          </a:xfrm>
+          <a:prstGeom prst="rect">
+            <a:avLst/>
+          </a:prstGeom>
+        </p:spPr>
+        <p:style>
+          <a:lnRef idx="2">
+            <a:schemeClr val="accent2"/>
+          </a:lnRef>
+          <a:fillRef idx="1">
+            <a:schemeClr val="lt1"/>
+          </a:fillRef>
+          <a:effectRef idx="0">
+            <a:schemeClr val="accent2"/>
+          </a:effectRef>
+          <a:fontRef idx="minor">
+            <a:schemeClr val="dk1"/>
+          </a:fontRef>
+        </p:style>
+        <p:txBody>
+          <a:bodyPr wrap="square" rtlCol="0">
+            <a:spAutoFit/>
+          </a:bodyPr>
+          <a:lstStyle/>
+          <a:p>
+            <a:r>
+              <a:rPr lang="de-DE"/>
+              <a:t>Schiff</a:t>
+            </a:r>
+          </a:p>
+        </p:txBody>
+      </p:sp>
+      <p:sp>
+        <p:nvSpPr>
+          <p:cNvPr id="63" name="Textfeld 62">
+            <a:extLst>
+              <a:ext uri="{FF2B5EF4-FFF2-40B4-BE49-F238E27FC236}">
+                <a16:creationId xmlns:a16="http://schemas.microsoft.com/office/drawing/2014/main" id="{E65550DB-3BBA-4C75-95D4-104D5A794EDB}"/>
+              </a:ext>
+            </a:extLst>
+          </p:cNvPr>
+          <p:cNvSpPr txBox="1"/>
+          <p:nvPr/>
+        </p:nvSpPr>
+        <p:spPr>
+          <a:xfrm>
+            <a:off x="973124" y="5416583"/>
+            <a:ext cx="1082180" cy="369332"/>
+          </a:xfrm>
+          <a:prstGeom prst="rect">
+            <a:avLst/>
+          </a:prstGeom>
+        </p:spPr>
+        <p:style>
+          <a:lnRef idx="2">
+            <a:schemeClr val="accent2"/>
+          </a:lnRef>
+          <a:fillRef idx="1">
+            <a:schemeClr val="lt1"/>
+          </a:fillRef>
+          <a:effectRef idx="0">
+            <a:schemeClr val="accent2"/>
+          </a:effectRef>
+          <a:fontRef idx="minor">
+            <a:schemeClr val="dk1"/>
+          </a:fontRef>
+        </p:style>
+        <p:txBody>
+          <a:bodyPr wrap="square" rtlCol="0">
+            <a:spAutoFit/>
+          </a:bodyPr>
+          <a:lstStyle/>
+          <a:p>
+            <a:r>
+              <a:rPr lang="de-DE"/>
+              <a:t>Event Log</a:t>
+            </a:r>
+          </a:p>
+        </p:txBody>
+      </p:sp>
+      <p:sp>
+        <p:nvSpPr>
+          <p:cNvPr id="64" name="Textfeld 63">
+            <a:extLst>
+              <a:ext uri="{FF2B5EF4-FFF2-40B4-BE49-F238E27FC236}">
+                <a16:creationId xmlns:a16="http://schemas.microsoft.com/office/drawing/2014/main" id="{720789C0-2937-4E6D-8571-EE654B48BCCA}"/>
+              </a:ext>
+            </a:extLst>
+          </p:cNvPr>
+          <p:cNvSpPr txBox="1"/>
+          <p:nvPr/>
+        </p:nvSpPr>
+        <p:spPr>
+          <a:xfrm>
+            <a:off x="10091956" y="3875606"/>
+            <a:ext cx="1082180" cy="369332"/>
+          </a:xfrm>
+          <a:prstGeom prst="rect">
+            <a:avLst/>
+          </a:prstGeom>
+        </p:spPr>
+        <p:style>
+          <a:lnRef idx="2">
+            <a:schemeClr val="accent2"/>
+          </a:lnRef>
+          <a:fillRef idx="1">
+            <a:schemeClr val="lt1"/>
+          </a:fillRef>
+          <a:effectRef idx="0">
+            <a:schemeClr val="accent2"/>
+          </a:effectRef>
+          <a:fontRef idx="minor">
+            <a:schemeClr val="dk1"/>
+          </a:fontRef>
+        </p:style>
+        <p:txBody>
+          <a:bodyPr wrap="square" rtlCol="0">
+            <a:spAutoFit/>
+          </a:bodyPr>
+          <a:lstStyle/>
+          <a:p>
+            <a:r>
+              <a:rPr lang="de-DE"/>
+              <a:t>Daneben</a:t>
+            </a:r>
+          </a:p>
+        </p:txBody>
+      </p:sp>
+      <p:sp>
+        <p:nvSpPr>
+          <p:cNvPr id="65" name="Textfeld 64">
+            <a:extLst>
+              <a:ext uri="{FF2B5EF4-FFF2-40B4-BE49-F238E27FC236}">
+                <a16:creationId xmlns:a16="http://schemas.microsoft.com/office/drawing/2014/main" id="{540251CA-91D0-45CC-83ED-DBE32F637346}"/>
+              </a:ext>
+            </a:extLst>
+          </p:cNvPr>
+          <p:cNvSpPr txBox="1"/>
+          <p:nvPr/>
+        </p:nvSpPr>
+        <p:spPr>
+          <a:xfrm>
+            <a:off x="10091956" y="2732733"/>
+            <a:ext cx="1082180" cy="369332"/>
+          </a:xfrm>
+          <a:prstGeom prst="rect">
+            <a:avLst/>
+          </a:prstGeom>
+        </p:spPr>
+        <p:style>
+          <a:lnRef idx="2">
+            <a:schemeClr val="accent2"/>
+          </a:lnRef>
+          <a:fillRef idx="1">
+            <a:schemeClr val="lt1"/>
+          </a:fillRef>
+          <a:effectRef idx="0">
+            <a:schemeClr val="accent2"/>
+          </a:effectRef>
+          <a:fontRef idx="minor">
+            <a:schemeClr val="dk1"/>
+          </a:fontRef>
+        </p:style>
+        <p:txBody>
+          <a:bodyPr wrap="square" rtlCol="0">
+            <a:spAutoFit/>
+          </a:bodyPr>
+          <a:lstStyle/>
+          <a:p>
+            <a:r>
+              <a:rPr lang="de-DE"/>
+              <a:t>Treffer</a:t>
+            </a:r>
+          </a:p>
+        </p:txBody>
+      </p:sp>
+    </p:spTree>
+    <p:extLst>
+      <p:ext uri="{BB962C8B-B14F-4D97-AF65-F5344CB8AC3E}">
+        <p14:creationId xmlns:p14="http://schemas.microsoft.com/office/powerpoint/2010/main" val="3911432779"/>
       </p:ext>
     </p:extLst>
   </p:cSld>
@@ -4017,4 +7568,254 @@
   </a:objectDefaults>
   <a:extraClrSchemeLst/>
 </a:theme>
+</file>
+
+<file path=customXml/item1.xml><?xml version="1.0" encoding="utf-8"?>
+<?mso-contentType ?>
+<FormTemplates xmlns="http://schemas.microsoft.com/sharepoint/v3/contenttype/forms">
+  <Display>DocumentLibraryForm</Display>
+  <Edit>DocumentLibraryForm</Edit>
+  <New>DocumentLibraryForm</New>
+</FormTemplates>
+</file>
+
+<file path=customXml/item2.xml><?xml version="1.0" encoding="utf-8"?>
+<ct:contentTypeSchema xmlns:ct="http://schemas.microsoft.com/office/2006/metadata/contentType" xmlns:ma="http://schemas.microsoft.com/office/2006/metadata/properties/metaAttributes" ct:_="" ma:_="" ma:contentTypeName="Dokument" ma:contentTypeID="0x010100CD82989031572C4DAAACC018A1FEEC31" ma:contentTypeVersion="8" ma:contentTypeDescription="Ein neues Dokument erstellen." ma:contentTypeScope="" ma:versionID="76bbea9a7090c3a02737d97185c5a92e">
+  <xsd:schema xmlns:xsd="http://www.w3.org/2001/XMLSchema" xmlns:xs="http://www.w3.org/2001/XMLSchema" xmlns:p="http://schemas.microsoft.com/office/2006/metadata/properties" xmlns:ns3="6fde6ac1-720d-480e-9ed5-ee4234c31999" xmlns:ns4="580ef3ca-f3c6-4e90-ba4e-7db45a64a0dd" targetNamespace="http://schemas.microsoft.com/office/2006/metadata/properties" ma:root="true" ma:fieldsID="41cdf908e3e8b15710cfc486d0ba502f" ns3:_="" ns4:_="">
+    <xsd:import namespace="6fde6ac1-720d-480e-9ed5-ee4234c31999"/>
+    <xsd:import namespace="580ef3ca-f3c6-4e90-ba4e-7db45a64a0dd"/>
+    <xsd:element name="properties">
+      <xsd:complexType>
+        <xsd:sequence>
+          <xsd:element name="documentManagement">
+            <xsd:complexType>
+              <xsd:all>
+                <xsd:element ref="ns3:SharedWithUsers" minOccurs="0"/>
+                <xsd:element ref="ns3:SharedWithDetails" minOccurs="0"/>
+                <xsd:element ref="ns3:SharingHintHash" minOccurs="0"/>
+                <xsd:element ref="ns4:MediaServiceMetadata" minOccurs="0"/>
+                <xsd:element ref="ns4:MediaServiceFastMetadata" minOccurs="0"/>
+                <xsd:element ref="ns4:MediaServiceDateTaken" minOccurs="0"/>
+                <xsd:element ref="ns4:MediaServiceAutoTags" minOccurs="0"/>
+                <xsd:element ref="ns4:MediaServiceOCR" minOccurs="0"/>
+              </xsd:all>
+            </xsd:complexType>
+          </xsd:element>
+        </xsd:sequence>
+      </xsd:complexType>
+    </xsd:element>
+  </xsd:schema>
+  <xsd:schema xmlns:xsd="http://www.w3.org/2001/XMLSchema" xmlns:xs="http://www.w3.org/2001/XMLSchema" xmlns:dms="http://schemas.microsoft.com/office/2006/documentManagement/types" xmlns:pc="http://schemas.microsoft.com/office/infopath/2007/PartnerControls" targetNamespace="6fde6ac1-720d-480e-9ed5-ee4234c31999" elementFormDefault="qualified">
+    <xsd:import namespace="http://schemas.microsoft.com/office/2006/documentManagement/types"/>
+    <xsd:import namespace="http://schemas.microsoft.com/office/infopath/2007/PartnerControls"/>
+    <xsd:element name="SharedWithUsers" ma:index="8" nillable="true" ma:displayName="Freigegeben für" ma:description="" ma:internalName="SharedWithUsers" ma:readOnly="true">
+      <xsd:complexType>
+        <xsd:complexContent>
+          <xsd:extension base="dms:UserMulti">
+            <xsd:sequence>
+              <xsd:element name="UserInfo" minOccurs="0" maxOccurs="unbounded">
+                <xsd:complexType>
+                  <xsd:sequence>
+                    <xsd:element name="DisplayName" type="xsd:string" minOccurs="0"/>
+                    <xsd:element name="AccountId" type="dms:UserId" minOccurs="0" nillable="true"/>
+                    <xsd:element name="AccountType" type="xsd:string" minOccurs="0"/>
+                  </xsd:sequence>
+                </xsd:complexType>
+              </xsd:element>
+            </xsd:sequence>
+          </xsd:extension>
+        </xsd:complexContent>
+      </xsd:complexType>
+    </xsd:element>
+    <xsd:element name="SharedWithDetails" ma:index="9" nillable="true" ma:displayName="Freigegeben für - Details" ma:description="" ma:internalName="SharedWithDetails" ma:readOnly="true">
+      <xsd:simpleType>
+        <xsd:restriction base="dms:Note">
+          <xsd:maxLength value="255"/>
+        </xsd:restriction>
+      </xsd:simpleType>
+    </xsd:element>
+    <xsd:element name="SharingHintHash" ma:index="10" nillable="true" ma:displayName="Freigabehinweishash" ma:description="" ma:hidden="true" ma:internalName="SharingHintHash" ma:readOnly="true">
+      <xsd:simpleType>
+        <xsd:restriction base="dms:Text"/>
+      </xsd:simpleType>
+    </xsd:element>
+  </xsd:schema>
+  <xsd:schema xmlns:xsd="http://www.w3.org/2001/XMLSchema" xmlns:xs="http://www.w3.org/2001/XMLSchema" xmlns:dms="http://schemas.microsoft.com/office/2006/documentManagement/types" xmlns:pc="http://schemas.microsoft.com/office/infopath/2007/PartnerControls" targetNamespace="580ef3ca-f3c6-4e90-ba4e-7db45a64a0dd" elementFormDefault="qualified">
+    <xsd:import namespace="http://schemas.microsoft.com/office/2006/documentManagement/types"/>
+    <xsd:import namespace="http://schemas.microsoft.com/office/infopath/2007/PartnerControls"/>
+    <xsd:element name="MediaServiceMetadata" ma:index="11" nillable="true" ma:displayName="MediaServiceMetadata" ma:description="" ma:hidden="true" ma:internalName="MediaServiceMetadata" ma:readOnly="true">
+      <xsd:simpleType>
+        <xsd:restriction base="dms:Note"/>
+      </xsd:simpleType>
+    </xsd:element>
+    <xsd:element name="MediaServiceFastMetadata" ma:index="12" nillable="true" ma:displayName="MediaServiceFastMetadata" ma:description="" ma:hidden="true" ma:internalName="MediaServiceFastMetadata" ma:readOnly="true">
+      <xsd:simpleType>
+        <xsd:restriction base="dms:Note"/>
+      </xsd:simpleType>
+    </xsd:element>
+    <xsd:element name="MediaServiceDateTaken" ma:index="13" nillable="true" ma:displayName="MediaServiceDateTaken" ma:description="" ma:hidden="true" ma:internalName="MediaServiceDateTaken" ma:readOnly="true">
+      <xsd:simpleType>
+        <xsd:restriction base="dms:Text"/>
+      </xsd:simpleType>
+    </xsd:element>
+    <xsd:element name="MediaServiceAutoTags" ma:index="14" nillable="true" ma:displayName="MediaServiceAutoTags" ma:description="" ma:internalName="MediaServiceAutoTags" ma:readOnly="true">
+      <xsd:simpleType>
+        <xsd:restriction base="dms:Text"/>
+      </xsd:simpleType>
+    </xsd:element>
+    <xsd:element name="MediaServiceOCR" ma:index="15" nillable="true" ma:displayName="MediaServiceOCR" ma:internalName="MediaServiceOCR" ma:readOnly="true">
+      <xsd:simpleType>
+        <xsd:restriction base="dms:Note">
+          <xsd:maxLength value="255"/>
+        </xsd:restriction>
+      </xsd:simpleType>
+    </xsd:element>
+  </xsd:schema>
+  <xsd:schema xmlns="http://schemas.openxmlformats.org/package/2006/metadata/core-properties" xmlns:xsd="http://www.w3.org/2001/XMLSchema" xmlns:xsi="http://www.w3.org/2001/XMLSchema-instance" xmlns:dc="http://purl.org/dc/elements/1.1/" xmlns:dcterms="http://purl.org/dc/terms/" xmlns:odoc="http://schemas.microsoft.com/internal/obd" targetNamespace="http://schemas.openxmlformats.org/package/2006/metadata/core-properties" elementFormDefault="qualified" attributeFormDefault="unqualified" blockDefault="#all">
+    <xsd:import namespace="http://purl.org/dc/elements/1.1/" schemaLocation="http://dublincore.org/schemas/xmls/qdc/2003/04/02/dc.xsd"/>
+    <xsd:import namespace="http://purl.org/dc/terms/" schemaLocation="http://dublincore.org/schemas/xmls/qdc/2003/04/02/dcterms.xsd"/>
+    <xsd:element name="coreProperties" type="CT_coreProperties"/>
+    <xsd:complexType name="CT_coreProperties">
+      <xsd:all>
+        <xsd:element ref="dc:creator" minOccurs="0" maxOccurs="1"/>
+        <xsd:element ref="dcterms:created" minOccurs="0" maxOccurs="1"/>
+        <xsd:element ref="dc:identifier" minOccurs="0" maxOccurs="1"/>
+        <xsd:element name="contentType" minOccurs="0" maxOccurs="1" type="xsd:string" ma:index="0" ma:displayName="Inhaltstyp"/>
+        <xsd:element ref="dc:title" minOccurs="0" maxOccurs="1" ma:index="4" ma:displayName="Titel"/>
+        <xsd:element ref="dc:subject" minOccurs="0" maxOccurs="1"/>
+        <xsd:element ref="dc:description" minOccurs="0" maxOccurs="1"/>
+        <xsd:element name="keywords" minOccurs="0" maxOccurs="1" type="xsd:string"/>
+        <xsd:element ref="dc:language" minOccurs="0" maxOccurs="1"/>
+        <xsd:element name="category" minOccurs="0" maxOccurs="1" type="xsd:string"/>
+        <xsd:element name="version" minOccurs="0" maxOccurs="1" type="xsd:string"/>
+        <xsd:element name="revision" minOccurs="0" maxOccurs="1" type="xsd:string">
+          <xsd:annotation>
+            <xsd:documentation>
+                        This value indicates the number of saves or revisions. The application is responsible for updating this value after each revision.
+                    </xsd:documentation>
+          </xsd:annotation>
+        </xsd:element>
+        <xsd:element name="lastModifiedBy" minOccurs="0" maxOccurs="1" type="xsd:string"/>
+        <xsd:element ref="dcterms:modified" minOccurs="0" maxOccurs="1"/>
+        <xsd:element name="contentStatus" minOccurs="0" maxOccurs="1" type="xsd:string"/>
+      </xsd:all>
+    </xsd:complexType>
+  </xsd:schema>
+  <xs:schema xmlns:pc="http://schemas.microsoft.com/office/infopath/2007/PartnerControls" xmlns:xs="http://www.w3.org/2001/XMLSchema" targetNamespace="http://schemas.microsoft.com/office/infopath/2007/PartnerControls" elementFormDefault="qualified" attributeFormDefault="unqualified">
+    <xs:element name="Person">
+      <xs:complexType>
+        <xs:sequence>
+          <xs:element ref="pc:DisplayName" minOccurs="0"/>
+          <xs:element ref="pc:AccountId" minOccurs="0"/>
+          <xs:element ref="pc:AccountType" minOccurs="0"/>
+        </xs:sequence>
+      </xs:complexType>
+    </xs:element>
+    <xs:element name="DisplayName" type="xs:string"/>
+    <xs:element name="AccountId" type="xs:string"/>
+    <xs:element name="AccountType" type="xs:string"/>
+    <xs:element name="BDCAssociatedEntity">
+      <xs:complexType>
+        <xs:sequence>
+          <xs:element ref="pc:BDCEntity" minOccurs="0" maxOccurs="unbounded"/>
+        </xs:sequence>
+        <xs:attribute ref="pc:EntityNamespace"/>
+        <xs:attribute ref="pc:EntityName"/>
+        <xs:attribute ref="pc:SystemInstanceName"/>
+        <xs:attribute ref="pc:AssociationName"/>
+      </xs:complexType>
+    </xs:element>
+    <xs:attribute name="EntityNamespace" type="xs:string"/>
+    <xs:attribute name="EntityName" type="xs:string"/>
+    <xs:attribute name="SystemInstanceName" type="xs:string"/>
+    <xs:attribute name="AssociationName" type="xs:string"/>
+    <xs:element name="BDCEntity">
+      <xs:complexType>
+        <xs:sequence>
+          <xs:element ref="pc:EntityDisplayName" minOccurs="0"/>
+          <xs:element ref="pc:EntityInstanceReference" minOccurs="0"/>
+          <xs:element ref="pc:EntityId1" minOccurs="0"/>
+          <xs:element ref="pc:EntityId2" minOccurs="0"/>
+          <xs:element ref="pc:EntityId3" minOccurs="0"/>
+          <xs:element ref="pc:EntityId4" minOccurs="0"/>
+          <xs:element ref="pc:EntityId5" minOccurs="0"/>
+        </xs:sequence>
+      </xs:complexType>
+    </xs:element>
+    <xs:element name="EntityDisplayName" type="xs:string"/>
+    <xs:element name="EntityInstanceReference" type="xs:string"/>
+    <xs:element name="EntityId1" type="xs:string"/>
+    <xs:element name="EntityId2" type="xs:string"/>
+    <xs:element name="EntityId3" type="xs:string"/>
+    <xs:element name="EntityId4" type="xs:string"/>
+    <xs:element name="EntityId5" type="xs:string"/>
+    <xs:element name="Terms">
+      <xs:complexType>
+        <xs:sequence>
+          <xs:element ref="pc:TermInfo" minOccurs="0" maxOccurs="unbounded"/>
+        </xs:sequence>
+      </xs:complexType>
+    </xs:element>
+    <xs:element name="TermInfo">
+      <xs:complexType>
+        <xs:sequence>
+          <xs:element ref="pc:TermName" minOccurs="0"/>
+          <xs:element ref="pc:TermId" minOccurs="0"/>
+        </xs:sequence>
+      </xs:complexType>
+    </xs:element>
+    <xs:element name="TermName" type="xs:string"/>
+    <xs:element name="TermId" type="xs:string"/>
+  </xs:schema>
+</ct:contentTypeSchema>
+</file>
+
+<file path=customXml/item3.xml><?xml version="1.0" encoding="utf-8"?>
+<p:properties xmlns:p="http://schemas.microsoft.com/office/2006/metadata/properties" xmlns:xsi="http://www.w3.org/2001/XMLSchema-instance" xmlns:pc="http://schemas.microsoft.com/office/infopath/2007/PartnerControls">
+  <documentManagement/>
+</p:properties>
+</file>
+
+<file path=customXml/itemProps1.xml><?xml version="1.0" encoding="utf-8"?>
+<ds:datastoreItem xmlns:ds="http://schemas.openxmlformats.org/officeDocument/2006/customXml" ds:itemID="{BC941EA0-4DBF-46B6-B8B0-CE273FEBA85A}">
+  <ds:schemaRefs>
+    <ds:schemaRef ds:uri="http://schemas.microsoft.com/sharepoint/v3/contenttype/forms"/>
+  </ds:schemaRefs>
+</ds:datastoreItem>
+</file>
+
+<file path=customXml/itemProps2.xml><?xml version="1.0" encoding="utf-8"?>
+<ds:datastoreItem xmlns:ds="http://schemas.openxmlformats.org/officeDocument/2006/customXml" ds:itemID="{9445AA90-F635-4102-BA3B-E8293CB62957}">
+  <ds:schemaRefs>
+    <ds:schemaRef ds:uri="580ef3ca-f3c6-4e90-ba4e-7db45a64a0dd"/>
+    <ds:schemaRef ds:uri="6fde6ac1-720d-480e-9ed5-ee4234c31999"/>
+    <ds:schemaRef ds:uri="http://purl.org/dc/elements/1.1/"/>
+    <ds:schemaRef ds:uri="http://purl.org/dc/terms/"/>
+    <ds:schemaRef ds:uri="http://schemas.microsoft.com/internal/obd"/>
+    <ds:schemaRef ds:uri="http://schemas.microsoft.com/office/2006/documentManagement/types"/>
+    <ds:schemaRef ds:uri="http://schemas.microsoft.com/office/2006/metadata/contentType"/>
+    <ds:schemaRef ds:uri="http://schemas.microsoft.com/office/2006/metadata/properties"/>
+    <ds:schemaRef ds:uri="http://schemas.microsoft.com/office/2006/metadata/properties/metaAttributes"/>
+    <ds:schemaRef ds:uri="http://schemas.microsoft.com/office/infopath/2007/PartnerControls"/>
+    <ds:schemaRef ds:uri="http://schemas.openxmlformats.org/package/2006/metadata/core-properties"/>
+    <ds:schemaRef ds:uri="http://www.w3.org/2001/XMLSchema"/>
+  </ds:schemaRefs>
+</ds:datastoreItem>
+</file>
+
+<file path=customXml/itemProps3.xml><?xml version="1.0" encoding="utf-8"?>
+<ds:datastoreItem xmlns:ds="http://schemas.openxmlformats.org/officeDocument/2006/customXml" ds:itemID="{BE57B93B-E71B-415D-8A8D-441F2B3BDE52}">
+  <ds:schemaRefs>
+    <ds:schemaRef ds:uri="http://schemas.microsoft.com/office/2006/documentManagement/types"/>
+    <ds:schemaRef ds:uri="http://purl.org/dc/dcmitype/"/>
+    <ds:schemaRef ds:uri="http://www.w3.org/XML/1998/namespace"/>
+    <ds:schemaRef ds:uri="http://schemas.openxmlformats.org/package/2006/metadata/core-properties"/>
+    <ds:schemaRef ds:uri="http://schemas.microsoft.com/office/2006/metadata/properties"/>
+    <ds:schemaRef ds:uri="6fde6ac1-720d-480e-9ed5-ee4234c31999"/>
+    <ds:schemaRef ds:uri="http://purl.org/dc/elements/1.1/"/>
+    <ds:schemaRef ds:uri="http://schemas.microsoft.com/office/infopath/2007/PartnerControls"/>
+    <ds:schemaRef ds:uri="580ef3ca-f3c6-4e90-ba4e-7db45a64a0dd"/>
+    <ds:schemaRef ds:uri="http://purl.org/dc/terms/"/>
+  </ds:schemaRefs>
+</ds:datastoreItem>
 </file>